--- a/files/ppt/monmouthcollege-econ-300/ECON300-LEC01.pptx
+++ b/files/ppt/monmouthcollege-econ-300/ECON300-LEC01.pptx
@@ -8,25 +8,25 @@
     <p:notesMasterId r:id="rId25"/>
   </p:notesMasterIdLst>
   <p:sldIdLst>
-    <p:sldId id="256" r:id="rId2"/>
-    <p:sldId id="282" r:id="rId3"/>
-    <p:sldId id="257" r:id="rId4"/>
-    <p:sldId id="258" r:id="rId5"/>
-    <p:sldId id="259" r:id="rId6"/>
-    <p:sldId id="274" r:id="rId7"/>
-    <p:sldId id="277" r:id="rId8"/>
-    <p:sldId id="262" r:id="rId9"/>
-    <p:sldId id="273" r:id="rId10"/>
-    <p:sldId id="263" r:id="rId11"/>
-    <p:sldId id="264" r:id="rId12"/>
-    <p:sldId id="265" r:id="rId13"/>
-    <p:sldId id="266" r:id="rId14"/>
-    <p:sldId id="281" r:id="rId15"/>
-    <p:sldId id="276" r:id="rId16"/>
-    <p:sldId id="268" r:id="rId17"/>
-    <p:sldId id="269" r:id="rId18"/>
-    <p:sldId id="279" r:id="rId19"/>
-    <p:sldId id="278" r:id="rId20"/>
+    <p:sldId id="283" r:id="rId2"/>
+    <p:sldId id="284" r:id="rId3"/>
+    <p:sldId id="274" r:id="rId4"/>
+    <p:sldId id="285" r:id="rId5"/>
+    <p:sldId id="286" r:id="rId6"/>
+    <p:sldId id="282" r:id="rId7"/>
+    <p:sldId id="257" r:id="rId8"/>
+    <p:sldId id="259" r:id="rId9"/>
+    <p:sldId id="262" r:id="rId10"/>
+    <p:sldId id="273" r:id="rId11"/>
+    <p:sldId id="263" r:id="rId12"/>
+    <p:sldId id="264" r:id="rId13"/>
+    <p:sldId id="265" r:id="rId14"/>
+    <p:sldId id="266" r:id="rId15"/>
+    <p:sldId id="281" r:id="rId16"/>
+    <p:sldId id="287" r:id="rId17"/>
+    <p:sldId id="268" r:id="rId18"/>
+    <p:sldId id="269" r:id="rId19"/>
+    <p:sldId id="279" r:id="rId20"/>
     <p:sldId id="270" r:id="rId21"/>
     <p:sldId id="271" r:id="rId22"/>
     <p:sldId id="272" r:id="rId23"/>
@@ -219,7 +219,7 @@
           <a:p>
             <a:fld id="{0E0A6441-4E79-42FF-805B-86C90BDFD38D}" type="datetimeFigureOut">
               <a:rPr lang="en-US" smtClean="0"/>
-              <a:t>8/21/2023</a:t>
+              <a:t>8/22/2023</a:t>
             </a:fld>
             <a:endParaRPr lang="en-US"/>
           </a:p>
@@ -535,8 +535,8 @@
               <a:t>
 Poll Title: Do not modify the notes in this section to avoid tampering with the Poll Everywhere activity.
 More info at polleverywhere.com/support
-What are you majoring (or plan to major)?
-https://www.polleverywhere.com/free_text_polls/vc167TXp9o4JvDxcU1xeI</a:t>
+Did you complete ECON 200 Principles of Economics?
+https://www.polleverywhere.com/multiple_choice_polls/ZhVSCRdd00fosPei4xZIj?state=opened&amp;flow=Default&amp;onscreen=persist</a:t>
             </a:r>
           </a:p>
         </p:txBody>
@@ -558,7 +558,7 @@
           <a:p>
             <a:fld id="{64A29054-221E-4755-818D-C35A08AFDBE7}" type="slidenum">
               <a:rPr lang="en-US" smtClean="0"/>
-              <a:t>7</a:t>
+              <a:t>4</a:t>
             </a:fld>
             <a:endParaRPr lang="en-US"/>
           </a:p>
@@ -569,7 +569,7 @@
           <p:cNvPr id="5" name="TextBox 4">
             <a:extLst>
               <a:ext uri="{FF2B5EF4-FFF2-40B4-BE49-F238E27FC236}">
-                <a16:creationId xmlns:a16="http://schemas.microsoft.com/office/drawing/2014/main" id="{0664A86C-ACA1-4D16-2532-A4ECA2850955}"/>
+                <a16:creationId xmlns:a16="http://schemas.microsoft.com/office/drawing/2014/main" id="{89D912B0-E74C-EF28-A26A-0DC7173FA481}"/>
               </a:ext>
             </a:extLst>
           </p:cNvPr>
@@ -599,7 +599,7 @@
     </p:spTree>
     <p:extLst>
       <p:ext uri="{BB962C8B-B14F-4D97-AF65-F5344CB8AC3E}">
-        <p14:creationId xmlns:p14="http://schemas.microsoft.com/office/powerpoint/2010/main" val="3141594250"/>
+        <p14:creationId xmlns:p14="http://schemas.microsoft.com/office/powerpoint/2010/main" val="905536003"/>
       </p:ext>
     </p:extLst>
   </p:cSld>
@@ -658,8 +658,8 @@
               <a:t>
 Poll Title: Do not modify the notes in this section to avoid tampering with the Poll Everywhere activity.
 More info at polleverywhere.com/support
-Please indicate your comfort level when it comes to Mathematics as a subject.
-https://www.polleverywhere.com/clickable_images/OzEjzbfv0ix8hUpYFk34L</a:t>
+Did you complete BUSI 205 Business Math and Statistics?
+https://www.polleverywhere.com/multiple_choice_polls/auTy1OHlPrXjwvOnl8VWE?state=opened&amp;flow=Default&amp;onscreen=persist</a:t>
             </a:r>
           </a:p>
         </p:txBody>
@@ -681,7 +681,7 @@
           <a:p>
             <a:fld id="{64A29054-221E-4755-818D-C35A08AFDBE7}" type="slidenum">
               <a:rPr lang="en-US" smtClean="0"/>
-              <a:t>15</a:t>
+              <a:t>5</a:t>
             </a:fld>
             <a:endParaRPr lang="en-US"/>
           </a:p>
@@ -692,7 +692,7 @@
           <p:cNvPr id="5" name="TextBox 4">
             <a:extLst>
               <a:ext uri="{FF2B5EF4-FFF2-40B4-BE49-F238E27FC236}">
-                <a16:creationId xmlns:a16="http://schemas.microsoft.com/office/drawing/2014/main" id="{86604521-9A5B-1FD0-3A8F-C07F1C1D25F4}"/>
+                <a16:creationId xmlns:a16="http://schemas.microsoft.com/office/drawing/2014/main" id="{4737E34E-7C88-3DE8-333D-32A4D72328D5}"/>
               </a:ext>
             </a:extLst>
           </p:cNvPr>
@@ -722,7 +722,7 @@
     </p:spTree>
     <p:extLst>
       <p:ext uri="{BB962C8B-B14F-4D97-AF65-F5344CB8AC3E}">
-        <p14:creationId xmlns:p14="http://schemas.microsoft.com/office/powerpoint/2010/main" val="2073644616"/>
+        <p14:creationId xmlns:p14="http://schemas.microsoft.com/office/powerpoint/2010/main" val="3472611079"/>
       </p:ext>
     </p:extLst>
   </p:cSld>
@@ -781,8 +781,8 @@
               <a:t>
 Poll Title: Do not modify the notes in this section to avoid tampering with the Poll Everywhere activity.
 More info at polleverywhere.com/support
-Did you take calculus or mathematical econ?
-https://www.polleverywhere.com/multiple_choice_polls/VkGwW5KsJKT1OlrXdg4VW?state=opened&amp;flow=Default&amp;onscreen=persist</a:t>
+Please indicate your comfort level when it comes to Mathematics as a subject.
+https://www.polleverywhere.com/clickable_images/OzEjzbfv0ix8hUpYFk34L</a:t>
             </a:r>
           </a:p>
         </p:txBody>
@@ -804,7 +804,7 @@
           <a:p>
             <a:fld id="{64A29054-221E-4755-818D-C35A08AFDBE7}" type="slidenum">
               <a:rPr lang="en-US" smtClean="0"/>
-              <a:t>19</a:t>
+              <a:t>16</a:t>
             </a:fld>
             <a:endParaRPr lang="en-US"/>
           </a:p>
@@ -815,7 +815,7 @@
           <p:cNvPr id="5" name="TextBox 4">
             <a:extLst>
               <a:ext uri="{FF2B5EF4-FFF2-40B4-BE49-F238E27FC236}">
-                <a16:creationId xmlns:a16="http://schemas.microsoft.com/office/drawing/2014/main" id="{B1EB112D-0623-5245-892E-D40C90D79D65}"/>
+                <a16:creationId xmlns:a16="http://schemas.microsoft.com/office/drawing/2014/main" id="{EDA260C0-ACCA-DD51-6D5B-69E034D0872E}"/>
               </a:ext>
             </a:extLst>
           </p:cNvPr>
@@ -845,7 +845,7 @@
     </p:spTree>
     <p:extLst>
       <p:ext uri="{BB962C8B-B14F-4D97-AF65-F5344CB8AC3E}">
-        <p14:creationId xmlns:p14="http://schemas.microsoft.com/office/powerpoint/2010/main" val="176499539"/>
+        <p14:creationId xmlns:p14="http://schemas.microsoft.com/office/powerpoint/2010/main" val="3204291503"/>
       </p:ext>
     </p:extLst>
   </p:cSld>
@@ -4488,12 +4488,9 @@
           <a:p>
             <a:r>
               <a:rPr lang="en-US" sz="4400" dirty="0"/>
-              <a:t>Intermediate</a:t>
-            </a:r>
-            <a:r>
-              <a:rPr lang="en-US" sz="4000" dirty="0"/>
-              <a:t> Price Theory</a:t>
-            </a:r>
+              <a:t>Introduction</a:t>
+            </a:r>
+            <a:endParaRPr lang="en-US" sz="4000" dirty="0"/>
           </a:p>
         </p:txBody>
       </p:sp>
@@ -4524,6 +4521,13 @@
               <a:rPr lang="en-US" sz="3200" dirty="0"/>
               <a:t>ECON 300</a:t>
             </a:r>
+          </a:p>
+          <a:p>
+            <a:r>
+              <a:rPr lang="en-US" dirty="0"/>
+              <a:t>Intermediate Price Theory</a:t>
+            </a:r>
+            <a:endParaRPr lang="en-US" sz="3200" dirty="0"/>
           </a:p>
         </p:txBody>
       </p:sp>
@@ -4615,7 +4619,7 @@
     </p:spTree>
     <p:extLst>
       <p:ext uri="{BB962C8B-B14F-4D97-AF65-F5344CB8AC3E}">
-        <p14:creationId xmlns:p14="http://schemas.microsoft.com/office/powerpoint/2010/main" val="2505806385"/>
+        <p14:creationId xmlns:p14="http://schemas.microsoft.com/office/powerpoint/2010/main" val="1450000472"/>
       </p:ext>
     </p:extLst>
   </p:cSld>
@@ -4665,97 +4669,8 @@
           <a:p>
             <a:r>
               <a:rPr lang="en-US" dirty="0"/>
-              <a:t>Grades</a:t>
-            </a:r>
-          </a:p>
-        </p:txBody>
-      </p:sp>
-      <p:sp>
-        <p:nvSpPr>
-          <p:cNvPr id="3" name="Content Placeholder 2">
-            <a:extLst>
-              <a:ext uri="{FF2B5EF4-FFF2-40B4-BE49-F238E27FC236}">
-                <a16:creationId xmlns:a16="http://schemas.microsoft.com/office/drawing/2014/main" id="{97FEFFAF-3949-E82D-4583-E06DA22E7204}"/>
-              </a:ext>
-            </a:extLst>
-          </p:cNvPr>
-          <p:cNvSpPr>
-            <a:spLocks noGrp="1"/>
-          </p:cNvSpPr>
-          <p:nvPr>
-            <p:ph idx="1"/>
-          </p:nvPr>
-        </p:nvSpPr>
-        <p:spPr/>
-        <p:txBody>
-          <a:bodyPr>
-            <a:normAutofit/>
-          </a:bodyPr>
-          <a:lstStyle/>
-          <a:p>
-            <a:r>
-              <a:rPr lang="en-US" dirty="0"/>
-              <a:t>Final letter grades based on </a:t>
-            </a:r>
-            <a:r>
-              <a:rPr lang="en-US" b="1" dirty="0"/>
-              <a:t>four factors</a:t>
-            </a:r>
-            <a:r>
-              <a:rPr lang="en-US" dirty="0"/>
-              <a:t>:</a:t>
-            </a:r>
-          </a:p>
-          <a:p>
-            <a:pPr lvl="1"/>
-            <a:r>
-              <a:rPr lang="en-US" dirty="0"/>
-              <a:t>Attendance: 10%</a:t>
-            </a:r>
-          </a:p>
-          <a:p>
-            <a:pPr lvl="1"/>
-            <a:r>
-              <a:rPr lang="en-US" dirty="0"/>
-              <a:t>Quizzes / Assignments: 20%</a:t>
-            </a:r>
-          </a:p>
-          <a:p>
-            <a:pPr lvl="1"/>
-            <a:r>
-              <a:rPr lang="en-US" dirty="0"/>
-              <a:t>Midterm Exam: 30%</a:t>
-            </a:r>
-          </a:p>
-          <a:p>
-            <a:pPr lvl="1"/>
-            <a:r>
-              <a:rPr lang="en-US" dirty="0"/>
-              <a:t>Final Exam: 40%</a:t>
-            </a:r>
-          </a:p>
-          <a:p>
-            <a:pPr lvl="1"/>
-            <a:endParaRPr lang="en-US" sz="1200" dirty="0"/>
-          </a:p>
-          <a:p>
-            <a:r>
-              <a:rPr lang="en-US" dirty="0"/>
-              <a:t>There are no predetermined “cutoff” points for letter grades.</a:t>
-            </a:r>
-          </a:p>
-          <a:p>
-            <a:pPr lvl="1"/>
-            <a:endParaRPr lang="en-US" sz="1200" dirty="0"/>
-          </a:p>
-          <a:p>
-            <a:r>
-              <a:rPr lang="en-US" dirty="0"/>
-              <a:t>The cutoffs will be updated as the semester progresses.</a:t>
-            </a:r>
-          </a:p>
-          <a:p>
-            <a:endParaRPr lang="en-US" dirty="0"/>
+              <a:t>Contact Information</a:t>
+            </a:r>
           </a:p>
         </p:txBody>
       </p:sp>
@@ -4844,16 +4759,242 @@
           </a:p>
         </p:txBody>
       </p:sp>
+      <p:pic>
+        <p:nvPicPr>
+          <p:cNvPr id="10" name="Picture 9">
+            <a:extLst>
+              <a:ext uri="{FF2B5EF4-FFF2-40B4-BE49-F238E27FC236}">
+                <a16:creationId xmlns:a16="http://schemas.microsoft.com/office/drawing/2014/main" id="{906E5FC0-DE08-E9E6-B4BF-E9ACC69683BD}"/>
+              </a:ext>
+            </a:extLst>
+          </p:cNvPr>
+          <p:cNvPicPr>
+            <a:picLocks noChangeAspect="1"/>
+          </p:cNvPicPr>
+          <p:nvPr/>
+        </p:nvPicPr>
+        <p:blipFill>
+          <a:blip r:embed="rId2"/>
+          <a:stretch>
+            <a:fillRect/>
+          </a:stretch>
+        </p:blipFill>
+        <p:spPr>
+          <a:xfrm>
+            <a:off x="628650" y="1546629"/>
+            <a:ext cx="7886700" cy="4604476"/>
+          </a:xfrm>
+          <a:prstGeom prst="rect">
+            <a:avLst/>
+          </a:prstGeom>
+        </p:spPr>
+      </p:pic>
+      <p:pic>
+        <p:nvPicPr>
+          <p:cNvPr id="14" name="Picture 13">
+            <a:extLst>
+              <a:ext uri="{FF2B5EF4-FFF2-40B4-BE49-F238E27FC236}">
+                <a16:creationId xmlns:a16="http://schemas.microsoft.com/office/drawing/2014/main" id="{1ECCA483-206B-8314-FE82-825A73EB100E}"/>
+              </a:ext>
+            </a:extLst>
+          </p:cNvPr>
+          <p:cNvPicPr>
+            <a:picLocks noChangeAspect="1"/>
+          </p:cNvPicPr>
+          <p:nvPr/>
+        </p:nvPicPr>
+        <p:blipFill>
+          <a:blip r:embed="rId3"/>
+          <a:stretch>
+            <a:fillRect/>
+          </a:stretch>
+        </p:blipFill>
+        <p:spPr>
+          <a:xfrm>
+            <a:off x="628650" y="1546629"/>
+            <a:ext cx="7886700" cy="4578618"/>
+          </a:xfrm>
+          <a:prstGeom prst="rect">
+            <a:avLst/>
+          </a:prstGeom>
+        </p:spPr>
+      </p:pic>
+      <p:pic>
+        <p:nvPicPr>
+          <p:cNvPr id="16" name="Picture 15">
+            <a:extLst>
+              <a:ext uri="{FF2B5EF4-FFF2-40B4-BE49-F238E27FC236}">
+                <a16:creationId xmlns:a16="http://schemas.microsoft.com/office/drawing/2014/main" id="{35131B10-4363-7B01-92D5-A97CFD1938D1}"/>
+              </a:ext>
+            </a:extLst>
+          </p:cNvPr>
+          <p:cNvPicPr>
+            <a:picLocks noChangeAspect="1"/>
+          </p:cNvPicPr>
+          <p:nvPr/>
+        </p:nvPicPr>
+        <p:blipFill>
+          <a:blip r:embed="rId4"/>
+          <a:stretch>
+            <a:fillRect/>
+          </a:stretch>
+        </p:blipFill>
+        <p:spPr>
+          <a:xfrm>
+            <a:off x="628650" y="1538841"/>
+            <a:ext cx="7886700" cy="4594194"/>
+          </a:xfrm>
+          <a:prstGeom prst="rect">
+            <a:avLst/>
+          </a:prstGeom>
+        </p:spPr>
+      </p:pic>
     </p:spTree>
     <p:extLst>
       <p:ext uri="{BB962C8B-B14F-4D97-AF65-F5344CB8AC3E}">
-        <p14:creationId xmlns:p14="http://schemas.microsoft.com/office/powerpoint/2010/main" val="2097555130"/>
+        <p14:creationId xmlns:p14="http://schemas.microsoft.com/office/powerpoint/2010/main" val="2073326842"/>
       </p:ext>
     </p:extLst>
   </p:cSld>
   <p:clrMapOvr>
     <a:masterClrMapping/>
   </p:clrMapOvr>
+  <p:timing>
+    <p:tnLst>
+      <p:par>
+        <p:cTn id="1" dur="indefinite" restart="never" nodeType="tmRoot">
+          <p:childTnLst>
+            <p:seq concurrent="1" nextAc="seek">
+              <p:cTn id="2" dur="indefinite" nodeType="mainSeq">
+                <p:childTnLst>
+                  <p:par>
+                    <p:cTn id="3" fill="hold">
+                      <p:stCondLst>
+                        <p:cond delay="indefinite"/>
+                      </p:stCondLst>
+                      <p:childTnLst>
+                        <p:par>
+                          <p:cTn id="4" fill="hold">
+                            <p:stCondLst>
+                              <p:cond delay="0"/>
+                            </p:stCondLst>
+                            <p:childTnLst>
+                              <p:par>
+                                <p:cTn id="5" presetID="10" presetClass="entr" presetSubtype="0" fill="hold" nodeType="clickEffect">
+                                  <p:stCondLst>
+                                    <p:cond delay="0"/>
+                                  </p:stCondLst>
+                                  <p:childTnLst>
+                                    <p:set>
+                                      <p:cBhvr>
+                                        <p:cTn id="6" dur="1" fill="hold">
+                                          <p:stCondLst>
+                                            <p:cond delay="0"/>
+                                          </p:stCondLst>
+                                        </p:cTn>
+                                        <p:tgtEl>
+                                          <p:spTgt spid="14"/>
+                                        </p:tgtEl>
+                                        <p:attrNameLst>
+                                          <p:attrName>style.visibility</p:attrName>
+                                        </p:attrNameLst>
+                                      </p:cBhvr>
+                                      <p:to>
+                                        <p:strVal val="visible"/>
+                                      </p:to>
+                                    </p:set>
+                                    <p:animEffect transition="in" filter="fade">
+                                      <p:cBhvr>
+                                        <p:cTn id="7" dur="500"/>
+                                        <p:tgtEl>
+                                          <p:spTgt spid="14"/>
+                                        </p:tgtEl>
+                                      </p:cBhvr>
+                                    </p:animEffect>
+                                  </p:childTnLst>
+                                </p:cTn>
+                              </p:par>
+                            </p:childTnLst>
+                          </p:cTn>
+                        </p:par>
+                      </p:childTnLst>
+                    </p:cTn>
+                  </p:par>
+                  <p:par>
+                    <p:cTn id="8" fill="hold">
+                      <p:stCondLst>
+                        <p:cond delay="indefinite"/>
+                      </p:stCondLst>
+                      <p:childTnLst>
+                        <p:par>
+                          <p:cTn id="9" fill="hold">
+                            <p:stCondLst>
+                              <p:cond delay="0"/>
+                            </p:stCondLst>
+                            <p:childTnLst>
+                              <p:par>
+                                <p:cTn id="10" presetID="10" presetClass="entr" presetSubtype="0" fill="hold" nodeType="clickEffect">
+                                  <p:stCondLst>
+                                    <p:cond delay="0"/>
+                                  </p:stCondLst>
+                                  <p:childTnLst>
+                                    <p:set>
+                                      <p:cBhvr>
+                                        <p:cTn id="11" dur="1" fill="hold">
+                                          <p:stCondLst>
+                                            <p:cond delay="0"/>
+                                          </p:stCondLst>
+                                        </p:cTn>
+                                        <p:tgtEl>
+                                          <p:spTgt spid="16"/>
+                                        </p:tgtEl>
+                                        <p:attrNameLst>
+                                          <p:attrName>style.visibility</p:attrName>
+                                        </p:attrNameLst>
+                                      </p:cBhvr>
+                                      <p:to>
+                                        <p:strVal val="visible"/>
+                                      </p:to>
+                                    </p:set>
+                                    <p:animEffect transition="in" filter="fade">
+                                      <p:cBhvr>
+                                        <p:cTn id="12" dur="500"/>
+                                        <p:tgtEl>
+                                          <p:spTgt spid="16"/>
+                                        </p:tgtEl>
+                                      </p:cBhvr>
+                                    </p:animEffect>
+                                  </p:childTnLst>
+                                </p:cTn>
+                              </p:par>
+                            </p:childTnLst>
+                          </p:cTn>
+                        </p:par>
+                      </p:childTnLst>
+                    </p:cTn>
+                  </p:par>
+                </p:childTnLst>
+              </p:cTn>
+              <p:prevCondLst>
+                <p:cond evt="onPrev" delay="0">
+                  <p:tgtEl>
+                    <p:sldTgt/>
+                  </p:tgtEl>
+                </p:cond>
+              </p:prevCondLst>
+              <p:nextCondLst>
+                <p:cond evt="onNext" delay="0">
+                  <p:tgtEl>
+                    <p:sldTgt/>
+                  </p:tgtEl>
+                </p:cond>
+              </p:nextCondLst>
+            </p:seq>
+          </p:childTnLst>
+        </p:cTn>
+      </p:par>
+    </p:tnLst>
+  </p:timing>
 </p:sld>
 </file>
 
@@ -4897,7 +5038,7 @@
           <a:p>
             <a:r>
               <a:rPr lang="en-US" dirty="0"/>
-              <a:t>Attendance</a:t>
+              <a:t>Grades</a:t>
             </a:r>
           </a:p>
         </p:txBody>
@@ -4927,8 +5068,49 @@
           <a:p>
             <a:r>
               <a:rPr lang="en-US" dirty="0"/>
-              <a:t>Attendance may be called every time we meet.</a:t>
-            </a:r>
+              <a:t>Final letter grades based on </a:t>
+            </a:r>
+            <a:r>
+              <a:rPr lang="en-US" b="1" dirty="0"/>
+              <a:t>four factors</a:t>
+            </a:r>
+            <a:r>
+              <a:rPr lang="en-US" dirty="0"/>
+              <a:t>:</a:t>
+            </a:r>
+          </a:p>
+          <a:p>
+            <a:pPr lvl="1"/>
+            <a:r>
+              <a:rPr lang="en-US" dirty="0"/>
+              <a:t>Attendance: 10%</a:t>
+            </a:r>
+          </a:p>
+          <a:p>
+            <a:pPr lvl="1"/>
+            <a:r>
+              <a:rPr lang="en-US" dirty="0"/>
+              <a:t>Quizzes / Assignments: 30%</a:t>
+            </a:r>
+          </a:p>
+          <a:p>
+            <a:pPr lvl="1"/>
+            <a:r>
+              <a:rPr lang="en-US" dirty="0"/>
+              <a:t>Midterm Exam: 25%</a:t>
+            </a:r>
+          </a:p>
+          <a:p>
+            <a:pPr lvl="1"/>
+            <a:r>
+              <a:rPr lang="en-US" dirty="0"/>
+              <a:t>Final Exam</a:t>
+            </a:r>
+            <a:r>
+              <a:rPr lang="en-US"/>
+              <a:t>: 35%</a:t>
+            </a:r>
+            <a:endParaRPr lang="en-US" dirty="0"/>
           </a:p>
           <a:p>
             <a:pPr lvl="1"/>
@@ -4937,7 +5119,7 @@
           <a:p>
             <a:r>
               <a:rPr lang="en-US" dirty="0"/>
-              <a:t>One “no-points-deducted” absence for each month.</a:t>
+              <a:t>There are no predetermined “cutoff” points for letter grades.</a:t>
             </a:r>
           </a:p>
           <a:p>
@@ -4947,18 +5129,11 @@
           <a:p>
             <a:r>
               <a:rPr lang="en-US" dirty="0"/>
-              <a:t>Extra “no-points-deducted” absences may be granted on a case-by-case basis.</a:t>
-            </a:r>
-          </a:p>
-          <a:p>
-            <a:pPr lvl="1"/>
-            <a:endParaRPr lang="en-US" sz="1200" dirty="0"/>
-          </a:p>
-          <a:p>
-            <a:r>
-              <a:rPr lang="en-US" dirty="0"/>
-              <a:t>Attendance scores will be calculated as:</a:t>
-            </a:r>
+              <a:t>The cutoffs will be updated as the semester progresses.</a:t>
+            </a:r>
+          </a:p>
+          <a:p>
+            <a:endParaRPr lang="en-US" dirty="0"/>
           </a:p>
         </p:txBody>
       </p:sp>
@@ -5042,6 +5217,209 @@
             <a:fld id="{1A980C56-831A-4EAB-9EDE-57C090F4F877}" type="slidenum">
               <a:rPr lang="en-US" smtClean="0"/>
               <a:t>11</a:t>
+            </a:fld>
+            <a:endParaRPr lang="en-US"/>
+          </a:p>
+        </p:txBody>
+      </p:sp>
+    </p:spTree>
+    <p:extLst>
+      <p:ext uri="{BB962C8B-B14F-4D97-AF65-F5344CB8AC3E}">
+        <p14:creationId xmlns:p14="http://schemas.microsoft.com/office/powerpoint/2010/main" val="2097555130"/>
+      </p:ext>
+    </p:extLst>
+  </p:cSld>
+  <p:clrMapOvr>
+    <a:masterClrMapping/>
+  </p:clrMapOvr>
+</p:sld>
+</file>
+
+<file path=ppt/slides/slide12.xml><?xml version="1.0" encoding="utf-8"?>
+<p:sld xmlns:a="http://schemas.openxmlformats.org/drawingml/2006/main" xmlns:r="http://schemas.openxmlformats.org/officeDocument/2006/relationships" xmlns:p="http://schemas.openxmlformats.org/presentationml/2006/main">
+  <p:cSld>
+    <p:spTree>
+      <p:nvGrpSpPr>
+        <p:cNvPr id="1" name=""/>
+        <p:cNvGrpSpPr/>
+        <p:nvPr/>
+      </p:nvGrpSpPr>
+      <p:grpSpPr>
+        <a:xfrm>
+          <a:off x="0" y="0"/>
+          <a:ext cx="0" cy="0"/>
+          <a:chOff x="0" y="0"/>
+          <a:chExt cx="0" cy="0"/>
+        </a:xfrm>
+      </p:grpSpPr>
+      <p:sp>
+        <p:nvSpPr>
+          <p:cNvPr id="2" name="Title 1">
+            <a:extLst>
+              <a:ext uri="{FF2B5EF4-FFF2-40B4-BE49-F238E27FC236}">
+                <a16:creationId xmlns:a16="http://schemas.microsoft.com/office/drawing/2014/main" id="{776B09A4-5BC9-4EA8-C267-D3B26A49D07E}"/>
+              </a:ext>
+            </a:extLst>
+          </p:cNvPr>
+          <p:cNvSpPr>
+            <a:spLocks noGrp="1"/>
+          </p:cNvSpPr>
+          <p:nvPr>
+            <p:ph type="title"/>
+          </p:nvPr>
+        </p:nvSpPr>
+        <p:spPr/>
+        <p:txBody>
+          <a:bodyPr/>
+          <a:lstStyle/>
+          <a:p>
+            <a:r>
+              <a:rPr lang="en-US" dirty="0"/>
+              <a:t>Attendance</a:t>
+            </a:r>
+          </a:p>
+        </p:txBody>
+      </p:sp>
+      <p:sp>
+        <p:nvSpPr>
+          <p:cNvPr id="3" name="Content Placeholder 2">
+            <a:extLst>
+              <a:ext uri="{FF2B5EF4-FFF2-40B4-BE49-F238E27FC236}">
+                <a16:creationId xmlns:a16="http://schemas.microsoft.com/office/drawing/2014/main" id="{97FEFFAF-3949-E82D-4583-E06DA22E7204}"/>
+              </a:ext>
+            </a:extLst>
+          </p:cNvPr>
+          <p:cNvSpPr>
+            <a:spLocks noGrp="1"/>
+          </p:cNvSpPr>
+          <p:nvPr>
+            <p:ph idx="1"/>
+          </p:nvPr>
+        </p:nvSpPr>
+        <p:spPr/>
+        <p:txBody>
+          <a:bodyPr>
+            <a:normAutofit/>
+          </a:bodyPr>
+          <a:lstStyle/>
+          <a:p>
+            <a:r>
+              <a:rPr lang="en-US" dirty="0"/>
+              <a:t>Attendance may be called every time we meet.</a:t>
+            </a:r>
+          </a:p>
+          <a:p>
+            <a:pPr lvl="1"/>
+            <a:endParaRPr lang="en-US" sz="1200" dirty="0"/>
+          </a:p>
+          <a:p>
+            <a:r>
+              <a:rPr lang="en-US" dirty="0"/>
+              <a:t>One “no-points-deducted” absence for each month.</a:t>
+            </a:r>
+          </a:p>
+          <a:p>
+            <a:pPr lvl="1"/>
+            <a:endParaRPr lang="en-US" sz="1200" dirty="0"/>
+          </a:p>
+          <a:p>
+            <a:r>
+              <a:rPr lang="en-US" dirty="0"/>
+              <a:t>Extra “no-points-deducted” absences may be granted on a case-by-case basis.</a:t>
+            </a:r>
+          </a:p>
+          <a:p>
+            <a:pPr lvl="1"/>
+            <a:endParaRPr lang="en-US" sz="1200" dirty="0"/>
+          </a:p>
+          <a:p>
+            <a:r>
+              <a:rPr lang="en-US" dirty="0"/>
+              <a:t>Attendance scores will be calculated as:</a:t>
+            </a:r>
+          </a:p>
+        </p:txBody>
+      </p:sp>
+      <p:sp>
+        <p:nvSpPr>
+          <p:cNvPr id="4" name="Date Placeholder 3">
+            <a:extLst>
+              <a:ext uri="{FF2B5EF4-FFF2-40B4-BE49-F238E27FC236}">
+                <a16:creationId xmlns:a16="http://schemas.microsoft.com/office/drawing/2014/main" id="{CE725A02-EA7A-7321-8B8B-168BF05EA587}"/>
+              </a:ext>
+            </a:extLst>
+          </p:cNvPr>
+          <p:cNvSpPr>
+            <a:spLocks noGrp="1"/>
+          </p:cNvSpPr>
+          <p:nvPr>
+            <p:ph type="dt" sz="half" idx="10"/>
+          </p:nvPr>
+        </p:nvSpPr>
+        <p:spPr/>
+        <p:txBody>
+          <a:bodyPr/>
+          <a:lstStyle/>
+          <a:p>
+            <a:r>
+              <a:rPr lang="en-US"/>
+              <a:t>Fall 2023</a:t>
+            </a:r>
+          </a:p>
+        </p:txBody>
+      </p:sp>
+      <p:sp>
+        <p:nvSpPr>
+          <p:cNvPr id="5" name="Footer Placeholder 4">
+            <a:extLst>
+              <a:ext uri="{FF2B5EF4-FFF2-40B4-BE49-F238E27FC236}">
+                <a16:creationId xmlns:a16="http://schemas.microsoft.com/office/drawing/2014/main" id="{024C4429-8EF0-A6CF-DF65-1DD6365F71D2}"/>
+              </a:ext>
+            </a:extLst>
+          </p:cNvPr>
+          <p:cNvSpPr>
+            <a:spLocks noGrp="1"/>
+          </p:cNvSpPr>
+          <p:nvPr>
+            <p:ph type="ftr" sz="quarter" idx="11"/>
+          </p:nvPr>
+        </p:nvSpPr>
+        <p:spPr/>
+        <p:txBody>
+          <a:bodyPr/>
+          <a:lstStyle/>
+          <a:p>
+            <a:r>
+              <a:rPr lang="en-US"/>
+              <a:t>DEPARTMENT OF BUSINESS &amp; ECONOMICS</a:t>
+            </a:r>
+          </a:p>
+        </p:txBody>
+      </p:sp>
+      <p:sp>
+        <p:nvSpPr>
+          <p:cNvPr id="6" name="Slide Number Placeholder 5">
+            <a:extLst>
+              <a:ext uri="{FF2B5EF4-FFF2-40B4-BE49-F238E27FC236}">
+                <a16:creationId xmlns:a16="http://schemas.microsoft.com/office/drawing/2014/main" id="{E35CE67F-4580-2DF1-52D2-80C99C5F60C8}"/>
+              </a:ext>
+            </a:extLst>
+          </p:cNvPr>
+          <p:cNvSpPr>
+            <a:spLocks noGrp="1"/>
+          </p:cNvSpPr>
+          <p:nvPr>
+            <p:ph type="sldNum" sz="quarter" idx="12"/>
+          </p:nvPr>
+        </p:nvSpPr>
+        <p:spPr/>
+        <p:txBody>
+          <a:bodyPr/>
+          <a:lstStyle/>
+          <a:p>
+            <a:fld id="{1A980C56-831A-4EAB-9EDE-57C090F4F877}" type="slidenum">
+              <a:rPr lang="en-US" smtClean="0"/>
+              <a:t>12</a:t>
             </a:fld>
             <a:endParaRPr lang="en-US"/>
           </a:p>
@@ -5242,209 +5620,6 @@
 </p:sld>
 </file>
 
-<file path=ppt/slides/slide12.xml><?xml version="1.0" encoding="utf-8"?>
-<p:sld xmlns:a="http://schemas.openxmlformats.org/drawingml/2006/main" xmlns:r="http://schemas.openxmlformats.org/officeDocument/2006/relationships" xmlns:p="http://schemas.openxmlformats.org/presentationml/2006/main">
-  <p:cSld>
-    <p:spTree>
-      <p:nvGrpSpPr>
-        <p:cNvPr id="1" name=""/>
-        <p:cNvGrpSpPr/>
-        <p:nvPr/>
-      </p:nvGrpSpPr>
-      <p:grpSpPr>
-        <a:xfrm>
-          <a:off x="0" y="0"/>
-          <a:ext cx="0" cy="0"/>
-          <a:chOff x="0" y="0"/>
-          <a:chExt cx="0" cy="0"/>
-        </a:xfrm>
-      </p:grpSpPr>
-      <p:sp>
-        <p:nvSpPr>
-          <p:cNvPr id="2" name="Title 1">
-            <a:extLst>
-              <a:ext uri="{FF2B5EF4-FFF2-40B4-BE49-F238E27FC236}">
-                <a16:creationId xmlns:a16="http://schemas.microsoft.com/office/drawing/2014/main" id="{776B09A4-5BC9-4EA8-C267-D3B26A49D07E}"/>
-              </a:ext>
-            </a:extLst>
-          </p:cNvPr>
-          <p:cNvSpPr>
-            <a:spLocks noGrp="1"/>
-          </p:cNvSpPr>
-          <p:nvPr>
-            <p:ph type="title"/>
-          </p:nvPr>
-        </p:nvSpPr>
-        <p:spPr/>
-        <p:txBody>
-          <a:bodyPr/>
-          <a:lstStyle/>
-          <a:p>
-            <a:r>
-              <a:rPr lang="en-US" dirty="0"/>
-              <a:t>Quizzes / Homework</a:t>
-            </a:r>
-          </a:p>
-        </p:txBody>
-      </p:sp>
-      <p:sp>
-        <p:nvSpPr>
-          <p:cNvPr id="3" name="Content Placeholder 2">
-            <a:extLst>
-              <a:ext uri="{FF2B5EF4-FFF2-40B4-BE49-F238E27FC236}">
-                <a16:creationId xmlns:a16="http://schemas.microsoft.com/office/drawing/2014/main" id="{97FEFFAF-3949-E82D-4583-E06DA22E7204}"/>
-              </a:ext>
-            </a:extLst>
-          </p:cNvPr>
-          <p:cNvSpPr>
-            <a:spLocks noGrp="1"/>
-          </p:cNvSpPr>
-          <p:nvPr>
-            <p:ph idx="1"/>
-          </p:nvPr>
-        </p:nvSpPr>
-        <p:spPr/>
-        <p:txBody>
-          <a:bodyPr>
-            <a:normAutofit/>
-          </a:bodyPr>
-          <a:lstStyle/>
-          <a:p>
-            <a:r>
-              <a:rPr lang="en-US" dirty="0"/>
-              <a:t>Quizzes will act as a low-stakes status check.</a:t>
-            </a:r>
-          </a:p>
-          <a:p>
-            <a:pPr lvl="1"/>
-            <a:endParaRPr lang="en-US" sz="1200" dirty="0"/>
-          </a:p>
-          <a:p>
-            <a:r>
-              <a:rPr lang="en-US" dirty="0"/>
-              <a:t>Students can recover extra credit by attending office hours and “correcting” any mistakes made.</a:t>
-            </a:r>
-          </a:p>
-          <a:p>
-            <a:pPr lvl="1"/>
-            <a:endParaRPr lang="en-US" sz="1200" dirty="0"/>
-          </a:p>
-          <a:p>
-            <a:r>
-              <a:rPr lang="en-US" dirty="0"/>
-              <a:t>The lowest 1 or 2 quizzes will be dropped at the end of the semester.</a:t>
-            </a:r>
-          </a:p>
-          <a:p>
-            <a:pPr lvl="1"/>
-            <a:endParaRPr lang="en-US" sz="1200" dirty="0"/>
-          </a:p>
-          <a:p>
-            <a:r>
-              <a:rPr lang="en-US" dirty="0"/>
-              <a:t>Quizzes may be substituted to homework assignments at the instructor’s discretion.</a:t>
-            </a:r>
-          </a:p>
-        </p:txBody>
-      </p:sp>
-      <p:sp>
-        <p:nvSpPr>
-          <p:cNvPr id="4" name="Date Placeholder 3">
-            <a:extLst>
-              <a:ext uri="{FF2B5EF4-FFF2-40B4-BE49-F238E27FC236}">
-                <a16:creationId xmlns:a16="http://schemas.microsoft.com/office/drawing/2014/main" id="{CE725A02-EA7A-7321-8B8B-168BF05EA587}"/>
-              </a:ext>
-            </a:extLst>
-          </p:cNvPr>
-          <p:cNvSpPr>
-            <a:spLocks noGrp="1"/>
-          </p:cNvSpPr>
-          <p:nvPr>
-            <p:ph type="dt" sz="half" idx="10"/>
-          </p:nvPr>
-        </p:nvSpPr>
-        <p:spPr/>
-        <p:txBody>
-          <a:bodyPr/>
-          <a:lstStyle/>
-          <a:p>
-            <a:r>
-              <a:rPr lang="en-US"/>
-              <a:t>Fall 2023</a:t>
-            </a:r>
-          </a:p>
-        </p:txBody>
-      </p:sp>
-      <p:sp>
-        <p:nvSpPr>
-          <p:cNvPr id="5" name="Footer Placeholder 4">
-            <a:extLst>
-              <a:ext uri="{FF2B5EF4-FFF2-40B4-BE49-F238E27FC236}">
-                <a16:creationId xmlns:a16="http://schemas.microsoft.com/office/drawing/2014/main" id="{024C4429-8EF0-A6CF-DF65-1DD6365F71D2}"/>
-              </a:ext>
-            </a:extLst>
-          </p:cNvPr>
-          <p:cNvSpPr>
-            <a:spLocks noGrp="1"/>
-          </p:cNvSpPr>
-          <p:nvPr>
-            <p:ph type="ftr" sz="quarter" idx="11"/>
-          </p:nvPr>
-        </p:nvSpPr>
-        <p:spPr/>
-        <p:txBody>
-          <a:bodyPr/>
-          <a:lstStyle/>
-          <a:p>
-            <a:r>
-              <a:rPr lang="en-US"/>
-              <a:t>DEPARTMENT OF BUSINESS &amp; ECONOMICS</a:t>
-            </a:r>
-          </a:p>
-        </p:txBody>
-      </p:sp>
-      <p:sp>
-        <p:nvSpPr>
-          <p:cNvPr id="6" name="Slide Number Placeholder 5">
-            <a:extLst>
-              <a:ext uri="{FF2B5EF4-FFF2-40B4-BE49-F238E27FC236}">
-                <a16:creationId xmlns:a16="http://schemas.microsoft.com/office/drawing/2014/main" id="{E35CE67F-4580-2DF1-52D2-80C99C5F60C8}"/>
-              </a:ext>
-            </a:extLst>
-          </p:cNvPr>
-          <p:cNvSpPr>
-            <a:spLocks noGrp="1"/>
-          </p:cNvSpPr>
-          <p:nvPr>
-            <p:ph type="sldNum" sz="quarter" idx="12"/>
-          </p:nvPr>
-        </p:nvSpPr>
-        <p:spPr/>
-        <p:txBody>
-          <a:bodyPr/>
-          <a:lstStyle/>
-          <a:p>
-            <a:fld id="{1A980C56-831A-4EAB-9EDE-57C090F4F877}" type="slidenum">
-              <a:rPr lang="en-US" smtClean="0"/>
-              <a:t>12</a:t>
-            </a:fld>
-            <a:endParaRPr lang="en-US"/>
-          </a:p>
-        </p:txBody>
-      </p:sp>
-    </p:spTree>
-    <p:extLst>
-      <p:ext uri="{BB962C8B-B14F-4D97-AF65-F5344CB8AC3E}">
-        <p14:creationId xmlns:p14="http://schemas.microsoft.com/office/powerpoint/2010/main" val="377782915"/>
-      </p:ext>
-    </p:extLst>
-  </p:cSld>
-  <p:clrMapOvr>
-    <a:masterClrMapping/>
-  </p:clrMapOvr>
-</p:sld>
-</file>
-
 <file path=ppt/slides/slide13.xml><?xml version="1.0" encoding="utf-8"?>
 <p:sld xmlns:a="http://schemas.openxmlformats.org/drawingml/2006/main" xmlns:r="http://schemas.openxmlformats.org/officeDocument/2006/relationships" xmlns:p="http://schemas.openxmlformats.org/presentationml/2006/main">
   <p:cSld>
@@ -5485,7 +5660,7 @@
           <a:p>
             <a:r>
               <a:rPr lang="en-US" dirty="0"/>
-              <a:t>Exams</a:t>
+              <a:t>Quizzes / Homework</a:t>
             </a:r>
           </a:p>
         </p:txBody>
@@ -5515,7 +5690,7 @@
           <a:p>
             <a:r>
               <a:rPr lang="en-US" dirty="0"/>
-              <a:t>Two exams; one midterm and a comprehensive final.</a:t>
+              <a:t>Quizzes will act as a low-stakes status check.</a:t>
             </a:r>
           </a:p>
           <a:p>
@@ -5525,7 +5700,7 @@
           <a:p>
             <a:r>
               <a:rPr lang="en-US" dirty="0"/>
-              <a:t>No “review sessions” for partial credit for exams.</a:t>
+              <a:t>Students can recover extra credit by attending office hours and “correcting” any mistakes made.</a:t>
             </a:r>
           </a:p>
           <a:p>
@@ -5535,7 +5710,7 @@
           <a:p>
             <a:r>
               <a:rPr lang="en-US" dirty="0"/>
-              <a:t>Students may submit a request for regrading within the first 5 days the scores are made available.</a:t>
+              <a:t>The lowest 1 or 2 quizzes will be dropped at the end of the semester.</a:t>
             </a:r>
           </a:p>
           <a:p>
@@ -5545,7 +5720,7 @@
           <a:p>
             <a:r>
               <a:rPr lang="en-US" dirty="0"/>
-              <a:t>If you miss an exam due to valid cause, the option would be either a written make-up exam, or an oral exam.</a:t>
+              <a:t>Quizzes may be substituted to homework assignments at the instructor’s discretion.</a:t>
             </a:r>
           </a:p>
         </p:txBody>
@@ -5638,7 +5813,7 @@
     </p:spTree>
     <p:extLst>
       <p:ext uri="{BB962C8B-B14F-4D97-AF65-F5344CB8AC3E}">
-        <p14:creationId xmlns:p14="http://schemas.microsoft.com/office/powerpoint/2010/main" val="2087276231"/>
+        <p14:creationId xmlns:p14="http://schemas.microsoft.com/office/powerpoint/2010/main" val="377782915"/>
       </p:ext>
     </p:extLst>
   </p:cSld>
@@ -5688,7 +5863,7 @@
           <a:p>
             <a:r>
               <a:rPr lang="en-US" dirty="0"/>
-              <a:t>Textbook / Reading Material</a:t>
+              <a:t>Exams</a:t>
             </a:r>
           </a:p>
         </p:txBody>
@@ -5718,7 +5893,7 @@
           <a:p>
             <a:r>
               <a:rPr lang="en-US" dirty="0"/>
-              <a:t>The main textbook for this course will be H. Varian’s Intermediate Microeconomics.</a:t>
+              <a:t>Two exams; one midterm and a comprehensive final.</a:t>
             </a:r>
           </a:p>
           <a:p>
@@ -5728,28 +5903,7 @@
           <a:p>
             <a:r>
               <a:rPr lang="en-US" dirty="0"/>
-              <a:t>Slides / Notes will be distributed online.</a:t>
-            </a:r>
-          </a:p>
-          <a:p>
-            <a:pPr lvl="1"/>
-            <a:r>
-              <a:rPr lang="en-US" dirty="0"/>
-              <a:t>Moodle?</a:t>
-            </a:r>
-          </a:p>
-          <a:p>
-            <a:pPr lvl="1"/>
-            <a:r>
-              <a:rPr lang="en-US" dirty="0"/>
-              <a:t>Dropbox?</a:t>
-            </a:r>
-          </a:p>
-          <a:p>
-            <a:pPr lvl="1"/>
-            <a:r>
-              <a:rPr lang="en-US" dirty="0"/>
-              <a:t>Separate Webpage?</a:t>
+              <a:t>No “review sessions” for partial credit for exams.</a:t>
             </a:r>
           </a:p>
           <a:p>
@@ -5759,7 +5913,17 @@
           <a:p>
             <a:r>
               <a:rPr lang="en-US" dirty="0"/>
-              <a:t>f.</a:t>
+              <a:t>Students may submit a request for regrading within the first 5 days the scores are made available.</a:t>
+            </a:r>
+          </a:p>
+          <a:p>
+            <a:pPr lvl="1"/>
+            <a:endParaRPr lang="en-US" sz="1200" dirty="0"/>
+          </a:p>
+          <a:p>
+            <a:r>
+              <a:rPr lang="en-US" dirty="0"/>
+              <a:t>If you miss an exam due to valid cause, the option would be either a written make-up exam, or an oral exam.</a:t>
             </a:r>
           </a:p>
         </p:txBody>
@@ -5852,7 +6016,7 @@
     </p:spTree>
     <p:extLst>
       <p:ext uri="{BB962C8B-B14F-4D97-AF65-F5344CB8AC3E}">
-        <p14:creationId xmlns:p14="http://schemas.microsoft.com/office/powerpoint/2010/main" val="1589184417"/>
+        <p14:creationId xmlns:p14="http://schemas.microsoft.com/office/powerpoint/2010/main" val="2087276231"/>
       </p:ext>
     </p:extLst>
   </p:cSld>
@@ -5881,10 +6045,109 @@
       </p:grpSpPr>
       <p:sp>
         <p:nvSpPr>
-          <p:cNvPr id="2" name="Date Placeholder 1">
-            <a:extLst>
-              <a:ext uri="{FF2B5EF4-FFF2-40B4-BE49-F238E27FC236}">
-                <a16:creationId xmlns:a16="http://schemas.microsoft.com/office/drawing/2014/main" id="{FD55C150-637D-2F05-97D5-4223A032720B}"/>
+          <p:cNvPr id="2" name="Title 1">
+            <a:extLst>
+              <a:ext uri="{FF2B5EF4-FFF2-40B4-BE49-F238E27FC236}">
+                <a16:creationId xmlns:a16="http://schemas.microsoft.com/office/drawing/2014/main" id="{776B09A4-5BC9-4EA8-C267-D3B26A49D07E}"/>
+              </a:ext>
+            </a:extLst>
+          </p:cNvPr>
+          <p:cNvSpPr>
+            <a:spLocks noGrp="1"/>
+          </p:cNvSpPr>
+          <p:nvPr>
+            <p:ph type="title"/>
+          </p:nvPr>
+        </p:nvSpPr>
+        <p:spPr/>
+        <p:txBody>
+          <a:bodyPr/>
+          <a:lstStyle/>
+          <a:p>
+            <a:r>
+              <a:rPr lang="en-US" dirty="0"/>
+              <a:t>Textbook / Reading Material</a:t>
+            </a:r>
+          </a:p>
+        </p:txBody>
+      </p:sp>
+      <p:sp>
+        <p:nvSpPr>
+          <p:cNvPr id="3" name="Content Placeholder 2">
+            <a:extLst>
+              <a:ext uri="{FF2B5EF4-FFF2-40B4-BE49-F238E27FC236}">
+                <a16:creationId xmlns:a16="http://schemas.microsoft.com/office/drawing/2014/main" id="{97FEFFAF-3949-E82D-4583-E06DA22E7204}"/>
+              </a:ext>
+            </a:extLst>
+          </p:cNvPr>
+          <p:cNvSpPr>
+            <a:spLocks noGrp="1"/>
+          </p:cNvSpPr>
+          <p:nvPr>
+            <p:ph idx="1"/>
+          </p:nvPr>
+        </p:nvSpPr>
+        <p:spPr/>
+        <p:txBody>
+          <a:bodyPr>
+            <a:normAutofit/>
+          </a:bodyPr>
+          <a:lstStyle/>
+          <a:p>
+            <a:r>
+              <a:rPr lang="en-US" dirty="0"/>
+              <a:t>The main textbook for this course will be H. Varian’s Intermediate Microeconomics.</a:t>
+            </a:r>
+          </a:p>
+          <a:p>
+            <a:pPr lvl="1"/>
+            <a:endParaRPr lang="en-US" sz="1200" dirty="0"/>
+          </a:p>
+          <a:p>
+            <a:r>
+              <a:rPr lang="en-US" dirty="0"/>
+              <a:t>Slides / Notes will be distributed online.</a:t>
+            </a:r>
+          </a:p>
+          <a:p>
+            <a:pPr lvl="1"/>
+            <a:r>
+              <a:rPr lang="en-US" dirty="0"/>
+              <a:t>Moodle?</a:t>
+            </a:r>
+          </a:p>
+          <a:p>
+            <a:pPr lvl="1"/>
+            <a:r>
+              <a:rPr lang="en-US" dirty="0"/>
+              <a:t>Dropbox?</a:t>
+            </a:r>
+          </a:p>
+          <a:p>
+            <a:pPr lvl="1"/>
+            <a:r>
+              <a:rPr lang="en-US" dirty="0"/>
+              <a:t>Separate Webpage?</a:t>
+            </a:r>
+          </a:p>
+          <a:p>
+            <a:pPr lvl="1"/>
+            <a:endParaRPr lang="en-US" sz="1200" dirty="0"/>
+          </a:p>
+          <a:p>
+            <a:r>
+              <a:rPr lang="en-US" dirty="0"/>
+              <a:t>Occasional newspaper articles or short stories may be assigned as reading material.</a:t>
+            </a:r>
+          </a:p>
+        </p:txBody>
+      </p:sp>
+      <p:sp>
+        <p:nvSpPr>
+          <p:cNvPr id="4" name="Date Placeholder 3">
+            <a:extLst>
+              <a:ext uri="{FF2B5EF4-FFF2-40B4-BE49-F238E27FC236}">
+                <a16:creationId xmlns:a16="http://schemas.microsoft.com/office/drawing/2014/main" id="{CE725A02-EA7A-7321-8B8B-168BF05EA587}"/>
               </a:ext>
             </a:extLst>
           </p:cNvPr>
@@ -5909,10 +6172,10 @@
       </p:sp>
       <p:sp>
         <p:nvSpPr>
-          <p:cNvPr id="3" name="Footer Placeholder 2">
-            <a:extLst>
-              <a:ext uri="{FF2B5EF4-FFF2-40B4-BE49-F238E27FC236}">
-                <a16:creationId xmlns:a16="http://schemas.microsoft.com/office/drawing/2014/main" id="{BC73754B-4E92-BE7F-E42F-35511D901BF1}"/>
+          <p:cNvPr id="5" name="Footer Placeholder 4">
+            <a:extLst>
+              <a:ext uri="{FF2B5EF4-FFF2-40B4-BE49-F238E27FC236}">
+                <a16:creationId xmlns:a16="http://schemas.microsoft.com/office/drawing/2014/main" id="{024C4429-8EF0-A6CF-DF65-1DD6365F71D2}"/>
               </a:ext>
             </a:extLst>
           </p:cNvPr>
@@ -5937,10 +6200,10 @@
       </p:sp>
       <p:sp>
         <p:nvSpPr>
-          <p:cNvPr id="4" name="Slide Number Placeholder 3">
-            <a:extLst>
-              <a:ext uri="{FF2B5EF4-FFF2-40B4-BE49-F238E27FC236}">
-                <a16:creationId xmlns:a16="http://schemas.microsoft.com/office/drawing/2014/main" id="{4C0A32FD-E004-7926-E5BC-560905878F9B}"/>
+          <p:cNvPr id="6" name="Slide Number Placeholder 5">
+            <a:extLst>
+              <a:ext uri="{FF2B5EF4-FFF2-40B4-BE49-F238E27FC236}">
+                <a16:creationId xmlns:a16="http://schemas.microsoft.com/office/drawing/2014/main" id="{E35CE67F-4580-2DF1-52D2-80C99C5F60C8}"/>
               </a:ext>
             </a:extLst>
           </p:cNvPr>
@@ -5964,50 +6227,10 @@
           </a:p>
         </p:txBody>
       </p:sp>
-      <p:pic>
-        <p:nvPicPr>
-          <p:cNvPr id="6" name="Picture 5">
-            <a:extLst>
-              <a:ext uri="{FF2B5EF4-FFF2-40B4-BE49-F238E27FC236}">
-                <a16:creationId xmlns:a16="http://schemas.microsoft.com/office/drawing/2014/main" id="{208E3829-DF1E-111A-D27C-B0DDD662F71C}"/>
-              </a:ext>
-            </a:extLst>
-          </p:cNvPr>
-          <p:cNvPicPr>
-            <a:picLocks/>
-          </p:cNvPicPr>
-          <p:nvPr>
-            <p:custDataLst>
-              <p:tags r:id="rId1"/>
-            </p:custDataLst>
-          </p:nvPr>
-        </p:nvPicPr>
-        <p:blipFill>
-          <a:blip r:embed="rId4">
-            <a:extLst>
-              <a:ext uri="{28A0092B-C50C-407E-A947-70E740481C1C}">
-                <a14:useLocalDpi xmlns:a14="http://schemas.microsoft.com/office/drawing/2010/main" val="0"/>
-              </a:ext>
-            </a:extLst>
-          </a:blip>
-          <a:stretch>
-            <a:fillRect/>
-          </a:stretch>
-        </p:blipFill>
-        <p:spPr>
-          <a:xfrm>
-            <a:off x="983411" y="776565"/>
-            <a:ext cx="7177178" cy="5304870"/>
-          </a:xfrm>
-          <a:prstGeom prst="rect">
-            <a:avLst/>
-          </a:prstGeom>
-        </p:spPr>
-      </p:pic>
     </p:spTree>
     <p:extLst>
       <p:ext uri="{BB962C8B-B14F-4D97-AF65-F5344CB8AC3E}">
-        <p14:creationId xmlns:p14="http://schemas.microsoft.com/office/powerpoint/2010/main" val="931743588"/>
+        <p14:creationId xmlns:p14="http://schemas.microsoft.com/office/powerpoint/2010/main" val="1589184417"/>
       </p:ext>
     </p:extLst>
   </p:cSld>
@@ -6036,6 +6259,161 @@
       </p:grpSpPr>
       <p:sp>
         <p:nvSpPr>
+          <p:cNvPr id="2" name="Date Placeholder 1">
+            <a:extLst>
+              <a:ext uri="{FF2B5EF4-FFF2-40B4-BE49-F238E27FC236}">
+                <a16:creationId xmlns:a16="http://schemas.microsoft.com/office/drawing/2014/main" id="{1C7D3459-7107-E535-F38C-11653BC0EA6C}"/>
+              </a:ext>
+            </a:extLst>
+          </p:cNvPr>
+          <p:cNvSpPr>
+            <a:spLocks noGrp="1"/>
+          </p:cNvSpPr>
+          <p:nvPr>
+            <p:ph type="dt" sz="half" idx="10"/>
+          </p:nvPr>
+        </p:nvSpPr>
+        <p:spPr/>
+        <p:txBody>
+          <a:bodyPr/>
+          <a:lstStyle/>
+          <a:p>
+            <a:r>
+              <a:rPr lang="en-US"/>
+              <a:t>Fall 2023</a:t>
+            </a:r>
+          </a:p>
+        </p:txBody>
+      </p:sp>
+      <p:sp>
+        <p:nvSpPr>
+          <p:cNvPr id="3" name="Footer Placeholder 2">
+            <a:extLst>
+              <a:ext uri="{FF2B5EF4-FFF2-40B4-BE49-F238E27FC236}">
+                <a16:creationId xmlns:a16="http://schemas.microsoft.com/office/drawing/2014/main" id="{0198ED19-750A-9774-7652-992D7DBDF2A2}"/>
+              </a:ext>
+            </a:extLst>
+          </p:cNvPr>
+          <p:cNvSpPr>
+            <a:spLocks noGrp="1"/>
+          </p:cNvSpPr>
+          <p:nvPr>
+            <p:ph type="ftr" sz="quarter" idx="11"/>
+          </p:nvPr>
+        </p:nvSpPr>
+        <p:spPr/>
+        <p:txBody>
+          <a:bodyPr/>
+          <a:lstStyle/>
+          <a:p>
+            <a:r>
+              <a:rPr lang="en-US"/>
+              <a:t>DEPARTMENT OF BUSINESS &amp; ECONOMICS</a:t>
+            </a:r>
+          </a:p>
+        </p:txBody>
+      </p:sp>
+      <p:sp>
+        <p:nvSpPr>
+          <p:cNvPr id="4" name="Slide Number Placeholder 3">
+            <a:extLst>
+              <a:ext uri="{FF2B5EF4-FFF2-40B4-BE49-F238E27FC236}">
+                <a16:creationId xmlns:a16="http://schemas.microsoft.com/office/drawing/2014/main" id="{97BEBEDF-4F6A-80C1-125C-BB5F256DEBA1}"/>
+              </a:ext>
+            </a:extLst>
+          </p:cNvPr>
+          <p:cNvSpPr>
+            <a:spLocks noGrp="1"/>
+          </p:cNvSpPr>
+          <p:nvPr>
+            <p:ph type="sldNum" sz="quarter" idx="12"/>
+          </p:nvPr>
+        </p:nvSpPr>
+        <p:spPr/>
+        <p:txBody>
+          <a:bodyPr/>
+          <a:lstStyle/>
+          <a:p>
+            <a:fld id="{1A980C56-831A-4EAB-9EDE-57C090F4F877}" type="slidenum">
+              <a:rPr lang="en-US" smtClean="0"/>
+              <a:t>16</a:t>
+            </a:fld>
+            <a:endParaRPr lang="en-US"/>
+          </a:p>
+        </p:txBody>
+      </p:sp>
+      <p:pic>
+        <p:nvPicPr>
+          <p:cNvPr id="6" name="Picture 5">
+            <a:extLst>
+              <a:ext uri="{FF2B5EF4-FFF2-40B4-BE49-F238E27FC236}">
+                <a16:creationId xmlns:a16="http://schemas.microsoft.com/office/drawing/2014/main" id="{6E757327-705D-5F08-B85B-99C818AF1817}"/>
+              </a:ext>
+            </a:extLst>
+          </p:cNvPr>
+          <p:cNvPicPr>
+            <a:picLocks/>
+          </p:cNvPicPr>
+          <p:nvPr>
+            <p:custDataLst>
+              <p:tags r:id="rId1"/>
+            </p:custDataLst>
+          </p:nvPr>
+        </p:nvPicPr>
+        <p:blipFill>
+          <a:blip r:embed="rId4">
+            <a:extLst>
+              <a:ext uri="{28A0092B-C50C-407E-A947-70E740481C1C}">
+                <a14:useLocalDpi xmlns:a14="http://schemas.microsoft.com/office/drawing/2010/main" val="0"/>
+              </a:ext>
+            </a:extLst>
+          </a:blip>
+          <a:stretch>
+            <a:fillRect/>
+          </a:stretch>
+        </p:blipFill>
+        <p:spPr>
+          <a:xfrm>
+            <a:off x="0" y="0"/>
+            <a:ext cx="9144000" cy="6858000"/>
+          </a:xfrm>
+          <a:prstGeom prst="rect">
+            <a:avLst/>
+          </a:prstGeom>
+        </p:spPr>
+      </p:pic>
+    </p:spTree>
+    <p:extLst>
+      <p:ext uri="{BB962C8B-B14F-4D97-AF65-F5344CB8AC3E}">
+        <p14:creationId xmlns:p14="http://schemas.microsoft.com/office/powerpoint/2010/main" val="144256360"/>
+      </p:ext>
+    </p:extLst>
+  </p:cSld>
+  <p:clrMapOvr>
+    <a:masterClrMapping/>
+  </p:clrMapOvr>
+</p:sld>
+</file>
+
+<file path=ppt/slides/slide17.xml><?xml version="1.0" encoding="utf-8"?>
+<p:sld xmlns:a="http://schemas.openxmlformats.org/drawingml/2006/main" xmlns:r="http://schemas.openxmlformats.org/officeDocument/2006/relationships" xmlns:p="http://schemas.openxmlformats.org/presentationml/2006/main">
+  <p:cSld>
+    <p:spTree>
+      <p:nvGrpSpPr>
+        <p:cNvPr id="1" name=""/>
+        <p:cNvGrpSpPr/>
+        <p:nvPr/>
+      </p:nvGrpSpPr>
+      <p:grpSpPr>
+        <a:xfrm>
+          <a:off x="0" y="0"/>
+          <a:ext cx="0" cy="0"/>
+          <a:chOff x="0" y="0"/>
+          <a:chExt cx="0" cy="0"/>
+        </a:xfrm>
+      </p:grpSpPr>
+      <p:sp>
+        <p:nvSpPr>
           <p:cNvPr id="2" name="Title 1">
             <a:extLst>
               <a:ext uri="{FF2B5EF4-FFF2-40B4-BE49-F238E27FC236}">
@@ -6176,7 +6554,7 @@
           <a:p>
             <a:fld id="{1A980C56-831A-4EAB-9EDE-57C090F4F877}" type="slidenum">
               <a:rPr lang="en-US" smtClean="0"/>
-              <a:t>16</a:t>
+              <a:t>17</a:t>
             </a:fld>
             <a:endParaRPr lang="en-US"/>
           </a:p>
@@ -6496,7 +6874,7 @@
 </p:sld>
 </file>
 
-<file path=ppt/slides/slide17.xml><?xml version="1.0" encoding="utf-8"?>
+<file path=ppt/slides/slide18.xml><?xml version="1.0" encoding="utf-8"?>
 <p:sld xmlns:a="http://schemas.openxmlformats.org/drawingml/2006/main" xmlns:r="http://schemas.openxmlformats.org/officeDocument/2006/relationships" xmlns:p="http://schemas.openxmlformats.org/presentationml/2006/main">
   <p:cSld>
     <p:spTree>
@@ -6571,7 +6949,7 @@
           <a:p>
             <a:r>
               <a:rPr lang="en-US" dirty="0"/>
-              <a:t>How comfortable are you dealing with multiplication and division with exponents?</a:t>
+              <a:t>How comfortable are you dealing with multiplication and division with powers?</a:t>
             </a:r>
           </a:p>
         </p:txBody>
@@ -6655,14 +7033,14 @@
           <a:p>
             <a:fld id="{1A980C56-831A-4EAB-9EDE-57C090F4F877}" type="slidenum">
               <a:rPr lang="en-US" smtClean="0"/>
-              <a:t>17</a:t>
+              <a:t>18</a:t>
             </a:fld>
             <a:endParaRPr lang="en-US"/>
           </a:p>
         </p:txBody>
       </p:sp>
-      <mc:AlternateContent xmlns:mc="http://schemas.openxmlformats.org/markup-compatibility/2006" xmlns:a14="http://schemas.microsoft.com/office/drawing/2010/main">
-        <mc:Choice Requires="a14">
+      <mc:AlternateContent xmlns:mc="http://schemas.openxmlformats.org/markup-compatibility/2006">
+        <mc:Choice xmlns:a14="http://schemas.microsoft.com/office/drawing/2010/main" Requires="a14">
           <p:sp>
             <p:nvSpPr>
               <p:cNvPr id="7" name="Rectangle 6">
@@ -6823,7 +7201,25 @@
                           </a:solidFill>
                           <a:latin typeface="Cambria Math" panose="02040503050406030204" pitchFamily="18" charset="0"/>
                         </a:rPr>
-                        <m:t>=?</m:t>
+                        <m:t>=</m:t>
+                      </m:r>
+                      <m:r>
+                        <a:rPr lang="en-US" sz="2400" b="0" i="1" smtClean="0">
+                          <a:solidFill>
+                            <a:schemeClr val="tx1"/>
+                          </a:solidFill>
+                          <a:latin typeface="Cambria Math" panose="02040503050406030204" pitchFamily="18" charset="0"/>
+                        </a:rPr>
+                        <m:t> </m:t>
+                      </m:r>
+                      <m:r>
+                        <a:rPr lang="en-US" sz="2400" b="0" i="1" smtClean="0">
+                          <a:solidFill>
+                            <a:schemeClr val="tx1"/>
+                          </a:solidFill>
+                          <a:latin typeface="Cambria Math" panose="02040503050406030204" pitchFamily="18" charset="0"/>
+                        </a:rPr>
+                        <m:t>?</m:t>
                       </m:r>
                     </m:oMath>
                   </m:oMathPara>
@@ -6928,7 +7324,25 @@
                           </a:solidFill>
                           <a:latin typeface="Cambria Math" panose="02040503050406030204" pitchFamily="18" charset="0"/>
                         </a:rPr>
-                        <m:t>=?</m:t>
+                        <m:t>=</m:t>
+                      </m:r>
+                      <m:r>
+                        <a:rPr lang="en-US" sz="2400" b="0" i="1" smtClean="0">
+                          <a:solidFill>
+                            <a:schemeClr val="tx1"/>
+                          </a:solidFill>
+                          <a:latin typeface="Cambria Math" panose="02040503050406030204" pitchFamily="18" charset="0"/>
+                        </a:rPr>
+                        <m:t> </m:t>
+                      </m:r>
+                      <m:r>
+                        <a:rPr lang="en-US" sz="2400" b="0" i="1" smtClean="0">
+                          <a:solidFill>
+                            <a:schemeClr val="tx1"/>
+                          </a:solidFill>
+                          <a:latin typeface="Cambria Math" panose="02040503050406030204" pitchFamily="18" charset="0"/>
+                        </a:rPr>
+                        <m:t>?</m:t>
                       </m:r>
                     </m:oMath>
                   </m:oMathPara>
@@ -6961,7 +7375,7 @@
             </p:txBody>
           </p:sp>
         </mc:Choice>
-        <mc:Fallback xmlns="">
+        <mc:Fallback>
           <p:sp>
             <p:nvSpPr>
               <p:cNvPr id="7" name="Rectangle 6">
@@ -7024,7 +7438,7 @@
 </p:sld>
 </file>
 
-<file path=ppt/slides/slide18.xml><?xml version="1.0" encoding="utf-8"?>
+<file path=ppt/slides/slide19.xml><?xml version="1.0" encoding="utf-8"?>
 <p:sld xmlns:a="http://schemas.openxmlformats.org/drawingml/2006/main" xmlns:r="http://schemas.openxmlformats.org/officeDocument/2006/relationships" xmlns:p="http://schemas.openxmlformats.org/presentationml/2006/main">
   <p:cSld>
     <p:spTree>
@@ -7183,14 +7597,14 @@
           <a:p>
             <a:fld id="{1A980C56-831A-4EAB-9EDE-57C090F4F877}" type="slidenum">
               <a:rPr lang="en-US" smtClean="0"/>
-              <a:t>18</a:t>
+              <a:t>19</a:t>
             </a:fld>
             <a:endParaRPr lang="en-US"/>
           </a:p>
         </p:txBody>
       </p:sp>
-      <mc:AlternateContent xmlns:mc="http://schemas.openxmlformats.org/markup-compatibility/2006" xmlns:a14="http://schemas.microsoft.com/office/drawing/2010/main">
-        <mc:Choice Requires="a14">
+      <mc:AlternateContent xmlns:mc="http://schemas.openxmlformats.org/markup-compatibility/2006">
+        <mc:Choice xmlns:a14="http://schemas.microsoft.com/office/drawing/2010/main" Requires="a14">
           <p:sp>
             <p:nvSpPr>
               <p:cNvPr id="7" name="Rectangle 6">
@@ -7285,6 +7699,47 @@
                               </a:solidFill>
                               <a:latin typeface="Cambria Math" panose="02040503050406030204" pitchFamily="18" charset="0"/>
                             </a:rPr>
+                            <m:t>𝑓</m:t>
+                          </m:r>
+                          <m:d>
+                            <m:dPr>
+                              <m:ctrlPr>
+                                <a:rPr lang="en-US" sz="2400" b="0" i="1" smtClean="0">
+                                  <a:solidFill>
+                                    <a:schemeClr val="tx1"/>
+                                  </a:solidFill>
+                                  <a:latin typeface="Cambria Math" panose="02040503050406030204" pitchFamily="18" charset="0"/>
+                                </a:rPr>
+                              </m:ctrlPr>
+                            </m:dPr>
+                            <m:e>
+                              <m:r>
+                                <a:rPr lang="en-US" sz="2400" b="0" i="1" smtClean="0">
+                                  <a:solidFill>
+                                    <a:schemeClr val="tx1"/>
+                                  </a:solidFill>
+                                  <a:latin typeface="Cambria Math" panose="02040503050406030204" pitchFamily="18" charset="0"/>
+                                </a:rPr>
+                                <m:t>𝑥</m:t>
+                              </m:r>
+                            </m:e>
+                          </m:d>
+                          <m:r>
+                            <a:rPr lang="en-US" sz="2400" b="0" i="1" smtClean="0">
+                              <a:solidFill>
+                                <a:schemeClr val="tx1"/>
+                              </a:solidFill>
+                              <a:latin typeface="Cambria Math" panose="02040503050406030204" pitchFamily="18" charset="0"/>
+                            </a:rPr>
+                            <m:t>=</m:t>
+                          </m:r>
+                          <m:r>
+                            <a:rPr lang="en-US" sz="2400" b="0" i="1" smtClean="0">
+                              <a:solidFill>
+                                <a:schemeClr val="tx1"/>
+                              </a:solidFill>
+                              <a:latin typeface="Cambria Math" panose="02040503050406030204" pitchFamily="18" charset="0"/>
+                            </a:rPr>
                             <m:t>𝑒</m:t>
                           </m:r>
                         </m:e>
@@ -7312,12 +7767,62 @@
               </a:p>
               <a:p>
                 <a:pPr algn="ctr"/>
+                <a:endParaRPr lang="en-US" sz="2400" b="0" i="1" dirty="0">
+                  <a:solidFill>
+                    <a:schemeClr val="tx1"/>
+                  </a:solidFill>
+                  <a:latin typeface="Cambria Math" panose="02040503050406030204" pitchFamily="18" charset="0"/>
+                </a:endParaRPr>
+              </a:p>
+              <a:p>
+                <a:pPr algn="ctr"/>
                 <a14:m>
                   <m:oMathPara xmlns:m="http://schemas.openxmlformats.org/officeDocument/2006/math">
                     <m:oMathParaPr>
                       <m:jc m:val="centerGroup"/>
                     </m:oMathParaPr>
                     <m:oMath xmlns:m="http://schemas.openxmlformats.org/officeDocument/2006/math">
+                      <m:r>
+                        <a:rPr lang="en-US" sz="2400" i="1">
+                          <a:solidFill>
+                            <a:schemeClr val="tx1"/>
+                          </a:solidFill>
+                          <a:latin typeface="Cambria Math" panose="02040503050406030204" pitchFamily="18" charset="0"/>
+                        </a:rPr>
+                        <m:t>𝑔</m:t>
+                      </m:r>
+                      <m:d>
+                        <m:dPr>
+                          <m:ctrlPr>
+                            <a:rPr lang="en-US" sz="2400" b="0" i="1" smtClean="0">
+                              <a:solidFill>
+                                <a:schemeClr val="tx1"/>
+                              </a:solidFill>
+                              <a:latin typeface="Cambria Math" panose="02040503050406030204" pitchFamily="18" charset="0"/>
+                            </a:rPr>
+                          </m:ctrlPr>
+                        </m:dPr>
+                        <m:e>
+                          <m:r>
+                            <a:rPr lang="en-US" sz="2400" b="0" i="1" smtClean="0">
+                              <a:solidFill>
+                                <a:schemeClr val="tx1"/>
+                              </a:solidFill>
+                              <a:latin typeface="Cambria Math" panose="02040503050406030204" pitchFamily="18" charset="0"/>
+                            </a:rPr>
+                            <m:t>𝑥</m:t>
+                          </m:r>
+                        </m:e>
+                      </m:d>
+                      <m:r>
+                        <a:rPr lang="en-US" sz="2400" b="0" i="1" smtClean="0">
+                          <a:solidFill>
+                            <a:schemeClr val="tx1"/>
+                          </a:solidFill>
+                          <a:latin typeface="Cambria Math" panose="02040503050406030204" pitchFamily="18" charset="0"/>
+                        </a:rPr>
+                        <m:t>=</m:t>
+                      </m:r>
                       <m:r>
                         <m:rPr>
                           <m:sty m:val="p"/>
@@ -7337,7 +7842,25 @@
                           </a:solidFill>
                           <a:latin typeface="Cambria Math" panose="02040503050406030204" pitchFamily="18" charset="0"/>
                         </a:rPr>
-                        <m:t>⁡(</m:t>
+                        <m:t>⁡</m:t>
+                      </m:r>
+                      <m:r>
+                        <a:rPr lang="en-US" sz="2400" b="0" i="1" smtClean="0">
+                          <a:solidFill>
+                            <a:schemeClr val="tx1"/>
+                          </a:solidFill>
+                          <a:latin typeface="Cambria Math" panose="02040503050406030204" pitchFamily="18" charset="0"/>
+                        </a:rPr>
+                        <m:t> </m:t>
+                      </m:r>
+                      <m:r>
+                        <a:rPr lang="en-US" sz="2400" b="0" i="1" smtClean="0">
+                          <a:solidFill>
+                            <a:schemeClr val="tx1"/>
+                          </a:solidFill>
+                          <a:latin typeface="Cambria Math" panose="02040503050406030204" pitchFamily="18" charset="0"/>
+                        </a:rPr>
+                        <m:t>(</m:t>
                       </m:r>
                       <m:r>
                         <a:rPr lang="en-US" sz="2400" b="0" i="1" smtClean="0">
@@ -7379,7 +7902,7 @@
             </p:txBody>
           </p:sp>
         </mc:Choice>
-        <mc:Fallback xmlns="">
+        <mc:Fallback>
           <p:sp>
             <p:nvSpPr>
               <p:cNvPr id="7" name="Rectangle 6">
@@ -7442,161 +7965,6 @@
 </p:sld>
 </file>
 
-<file path=ppt/slides/slide19.xml><?xml version="1.0" encoding="utf-8"?>
-<p:sld xmlns:a="http://schemas.openxmlformats.org/drawingml/2006/main" xmlns:r="http://schemas.openxmlformats.org/officeDocument/2006/relationships" xmlns:p="http://schemas.openxmlformats.org/presentationml/2006/main">
-  <p:cSld>
-    <p:spTree>
-      <p:nvGrpSpPr>
-        <p:cNvPr id="1" name=""/>
-        <p:cNvGrpSpPr/>
-        <p:nvPr/>
-      </p:nvGrpSpPr>
-      <p:grpSpPr>
-        <a:xfrm>
-          <a:off x="0" y="0"/>
-          <a:ext cx="0" cy="0"/>
-          <a:chOff x="0" y="0"/>
-          <a:chExt cx="0" cy="0"/>
-        </a:xfrm>
-      </p:grpSpPr>
-      <p:sp>
-        <p:nvSpPr>
-          <p:cNvPr id="2" name="Date Placeholder 1">
-            <a:extLst>
-              <a:ext uri="{FF2B5EF4-FFF2-40B4-BE49-F238E27FC236}">
-                <a16:creationId xmlns:a16="http://schemas.microsoft.com/office/drawing/2014/main" id="{B4230E7E-B840-0229-9778-05496BFA46AC}"/>
-              </a:ext>
-            </a:extLst>
-          </p:cNvPr>
-          <p:cNvSpPr>
-            <a:spLocks noGrp="1"/>
-          </p:cNvSpPr>
-          <p:nvPr>
-            <p:ph type="dt" sz="half" idx="10"/>
-          </p:nvPr>
-        </p:nvSpPr>
-        <p:spPr/>
-        <p:txBody>
-          <a:bodyPr/>
-          <a:lstStyle/>
-          <a:p>
-            <a:r>
-              <a:rPr lang="en-US"/>
-              <a:t>Fall 2023</a:t>
-            </a:r>
-          </a:p>
-        </p:txBody>
-      </p:sp>
-      <p:sp>
-        <p:nvSpPr>
-          <p:cNvPr id="3" name="Footer Placeholder 2">
-            <a:extLst>
-              <a:ext uri="{FF2B5EF4-FFF2-40B4-BE49-F238E27FC236}">
-                <a16:creationId xmlns:a16="http://schemas.microsoft.com/office/drawing/2014/main" id="{9D4BCC06-F033-F5D3-74A3-59711DA7EBBA}"/>
-              </a:ext>
-            </a:extLst>
-          </p:cNvPr>
-          <p:cNvSpPr>
-            <a:spLocks noGrp="1"/>
-          </p:cNvSpPr>
-          <p:nvPr>
-            <p:ph type="ftr" sz="quarter" idx="11"/>
-          </p:nvPr>
-        </p:nvSpPr>
-        <p:spPr/>
-        <p:txBody>
-          <a:bodyPr/>
-          <a:lstStyle/>
-          <a:p>
-            <a:r>
-              <a:rPr lang="en-US"/>
-              <a:t>DEPARTMENT OF BUSINESS &amp; ECONOMICS</a:t>
-            </a:r>
-          </a:p>
-        </p:txBody>
-      </p:sp>
-      <p:sp>
-        <p:nvSpPr>
-          <p:cNvPr id="4" name="Slide Number Placeholder 3">
-            <a:extLst>
-              <a:ext uri="{FF2B5EF4-FFF2-40B4-BE49-F238E27FC236}">
-                <a16:creationId xmlns:a16="http://schemas.microsoft.com/office/drawing/2014/main" id="{6686409D-1749-AA7B-7436-7B73395B8867}"/>
-              </a:ext>
-            </a:extLst>
-          </p:cNvPr>
-          <p:cNvSpPr>
-            <a:spLocks noGrp="1"/>
-          </p:cNvSpPr>
-          <p:nvPr>
-            <p:ph type="sldNum" sz="quarter" idx="12"/>
-          </p:nvPr>
-        </p:nvSpPr>
-        <p:spPr/>
-        <p:txBody>
-          <a:bodyPr/>
-          <a:lstStyle/>
-          <a:p>
-            <a:fld id="{1A980C56-831A-4EAB-9EDE-57C090F4F877}" type="slidenum">
-              <a:rPr lang="en-US" smtClean="0"/>
-              <a:t>19</a:t>
-            </a:fld>
-            <a:endParaRPr lang="en-US"/>
-          </a:p>
-        </p:txBody>
-      </p:sp>
-      <p:pic>
-        <p:nvPicPr>
-          <p:cNvPr id="6" name="Picture 5">
-            <a:extLst>
-              <a:ext uri="{FF2B5EF4-FFF2-40B4-BE49-F238E27FC236}">
-                <a16:creationId xmlns:a16="http://schemas.microsoft.com/office/drawing/2014/main" id="{B1A1D41D-5000-BC40-65FE-57DE42C556BE}"/>
-              </a:ext>
-            </a:extLst>
-          </p:cNvPr>
-          <p:cNvPicPr>
-            <a:picLocks/>
-          </p:cNvPicPr>
-          <p:nvPr>
-            <p:custDataLst>
-              <p:tags r:id="rId1"/>
-            </p:custDataLst>
-          </p:nvPr>
-        </p:nvPicPr>
-        <p:blipFill>
-          <a:blip r:embed="rId4">
-            <a:extLst>
-              <a:ext uri="{28A0092B-C50C-407E-A947-70E740481C1C}">
-                <a14:useLocalDpi xmlns:a14="http://schemas.microsoft.com/office/drawing/2010/main" val="0"/>
-              </a:ext>
-            </a:extLst>
-          </a:blip>
-          <a:stretch>
-            <a:fillRect/>
-          </a:stretch>
-        </p:blipFill>
-        <p:spPr>
-          <a:xfrm>
-            <a:off x="983411" y="776565"/>
-            <a:ext cx="7177178" cy="5304870"/>
-          </a:xfrm>
-          <a:prstGeom prst="rect">
-            <a:avLst/>
-          </a:prstGeom>
-        </p:spPr>
-      </p:pic>
-    </p:spTree>
-    <p:extLst>
-      <p:ext uri="{BB962C8B-B14F-4D97-AF65-F5344CB8AC3E}">
-        <p14:creationId xmlns:p14="http://schemas.microsoft.com/office/powerpoint/2010/main" val="859272804"/>
-      </p:ext>
-    </p:extLst>
-  </p:cSld>
-  <p:clrMapOvr>
-    <a:masterClrMapping/>
-  </p:clrMapOvr>
-</p:sld>
-</file>
-
 <file path=ppt/slides/slide2.xml><?xml version="1.0" encoding="utf-8"?>
 <p:sld xmlns:a="http://schemas.openxmlformats.org/drawingml/2006/main" xmlns:r="http://schemas.openxmlformats.org/officeDocument/2006/relationships" xmlns:p="http://schemas.openxmlformats.org/presentationml/2006/main">
   <p:cSld>
@@ -7669,83 +8037,47 @@
           <a:p>
             <a:r>
               <a:rPr lang="en-US" dirty="0"/>
-              <a:t>Typically called </a:t>
-            </a:r>
-            <a:r>
-              <a:rPr lang="en-US" b="1" dirty="0"/>
-              <a:t>“Intermediate Microeconomic Theory”</a:t>
-            </a:r>
-          </a:p>
-          <a:p>
+              <a:t>Directly from the Monmouth College course catalog...</a:t>
+            </a:r>
             <a:endParaRPr lang="en-US" sz="1200" dirty="0"/>
           </a:p>
           <a:p>
+            <a:endParaRPr lang="en-US" sz="1200" dirty="0"/>
+          </a:p>
+          <a:p>
             <a:r>
               <a:rPr lang="en-US" dirty="0"/>
-              <a:t>JEL Classification under “Microeconomics”</a:t>
+              <a:t>“A rigorous analysis of the modern micro-economic theory of the behavior of the firm and the individual.”</a:t>
+            </a:r>
+          </a:p>
+          <a:p>
+            <a:endParaRPr lang="en-US" sz="1200" dirty="0"/>
+          </a:p>
+          <a:p>
+            <a:r>
+              <a:rPr lang="en-US" dirty="0"/>
+              <a:t>Prerequisite: ECON 200, BUSI 201, and BUSI 205.</a:t>
             </a:r>
           </a:p>
           <a:p>
             <a:pPr lvl="1"/>
             <a:r>
               <a:rPr lang="en-US" dirty="0"/>
-              <a:t>Household Behavior and Family Economics</a:t>
+              <a:t>Principles of Economics</a:t>
             </a:r>
           </a:p>
           <a:p>
             <a:pPr lvl="1"/>
             <a:r>
               <a:rPr lang="en-US" dirty="0"/>
-              <a:t>Production and Organizations</a:t>
+              <a:t>Business Data Analysis</a:t>
             </a:r>
           </a:p>
           <a:p>
             <a:pPr lvl="1"/>
             <a:r>
               <a:rPr lang="en-US" dirty="0"/>
-              <a:t>Distribution</a:t>
-            </a:r>
-          </a:p>
-          <a:p>
-            <a:pPr lvl="1"/>
-            <a:r>
-              <a:rPr lang="en-US" dirty="0"/>
-              <a:t>Market Structure, Pricing, and Design</a:t>
-            </a:r>
-          </a:p>
-          <a:p>
-            <a:pPr lvl="1"/>
-            <a:r>
-              <a:rPr lang="en-US" dirty="0"/>
-              <a:t>General Equilibrium and Disequilibrium</a:t>
-            </a:r>
-          </a:p>
-          <a:p>
-            <a:pPr lvl="1"/>
-            <a:r>
-              <a:rPr lang="en-US" dirty="0"/>
-              <a:t>Welfare Economics</a:t>
-            </a:r>
-          </a:p>
-          <a:p>
-            <a:pPr lvl="1"/>
-            <a:r>
-              <a:rPr lang="en-US" dirty="0"/>
-              <a:t>Analysis of Collective Decision-Making</a:t>
-            </a:r>
-          </a:p>
-          <a:p>
-            <a:pPr lvl="1"/>
-            <a:r>
-              <a:rPr lang="en-US" dirty="0"/>
-              <a:t>Information, Knowledge, and Uncertainty</a:t>
-            </a:r>
-          </a:p>
-          <a:p>
-            <a:pPr lvl="1"/>
-            <a:r>
-              <a:rPr lang="en-US" dirty="0"/>
-              <a:t>Micro-Based Behavioral Economics</a:t>
+              <a:t>Business Math and Statistics</a:t>
             </a:r>
           </a:p>
         </p:txBody>
@@ -7838,7 +8170,7 @@
     </p:spTree>
     <p:extLst>
       <p:ext uri="{BB962C8B-B14F-4D97-AF65-F5344CB8AC3E}">
-        <p14:creationId xmlns:p14="http://schemas.microsoft.com/office/powerpoint/2010/main" val="3059287737"/>
+        <p14:creationId xmlns:p14="http://schemas.microsoft.com/office/powerpoint/2010/main" val="2940348109"/>
       </p:ext>
     </p:extLst>
   </p:cSld>
@@ -8174,7 +8506,25 @@
                           </a:solidFill>
                           <a:latin typeface="Cambria Math" panose="02040503050406030204" pitchFamily="18" charset="0"/>
                         </a:rPr>
-                        <m:t>=?</m:t>
+                        <m:t>=</m:t>
+                      </m:r>
+                      <m:r>
+                        <a:rPr lang="en-US" sz="2400" b="0" i="1" smtClean="0">
+                          <a:solidFill>
+                            <a:schemeClr val="tx1"/>
+                          </a:solidFill>
+                          <a:latin typeface="Cambria Math" panose="02040503050406030204" pitchFamily="18" charset="0"/>
+                        </a:rPr>
+                        <m:t> </m:t>
+                      </m:r>
+                      <m:r>
+                        <a:rPr lang="en-US" sz="2400" b="0" i="1" smtClean="0">
+                          <a:solidFill>
+                            <a:schemeClr val="tx1"/>
+                          </a:solidFill>
+                          <a:latin typeface="Cambria Math" panose="02040503050406030204" pitchFamily="18" charset="0"/>
+                        </a:rPr>
+                        <m:t>?</m:t>
                       </m:r>
                     </m:oMath>
                   </m:oMathPara>
@@ -8345,7 +8695,7 @@
           <a:p>
             <a:r>
               <a:rPr lang="en-US" dirty="0"/>
-              <a:t>How comfortable are you taking slightly more complicated first derivatives of linear functions?</a:t>
+              <a:t>How comfortable are you taking slightly more complicated first derivatives?</a:t>
             </a:r>
           </a:p>
         </p:txBody>
@@ -8435,8 +8785,8 @@
           </a:p>
         </p:txBody>
       </p:sp>
-      <mc:AlternateContent xmlns:mc="http://schemas.openxmlformats.org/markup-compatibility/2006" xmlns:a14="http://schemas.microsoft.com/office/drawing/2010/main">
-        <mc:Choice Requires="a14">
+      <mc:AlternateContent xmlns:mc="http://schemas.openxmlformats.org/markup-compatibility/2006">
+        <mc:Choice xmlns:a14="http://schemas.microsoft.com/office/drawing/2010/main" Requires="a14">
           <p:sp>
             <p:nvSpPr>
               <p:cNvPr id="7" name="Rectangle 6">
@@ -8632,7 +8982,7 @@
                           </a:solidFill>
                           <a:latin typeface="Cambria Math" panose="02040503050406030204" pitchFamily="18" charset="0"/>
                         </a:rPr>
-                        <m:t>+1)=?</m:t>
+                        <m:t>+1)= ?</m:t>
                       </m:r>
                     </m:oMath>
                   </m:oMathPara>
@@ -8665,7 +9015,7 @@
             </p:txBody>
           </p:sp>
         </mc:Choice>
-        <mc:Fallback xmlns="">
+        <mc:Fallback>
           <p:sp>
             <p:nvSpPr>
               <p:cNvPr id="7" name="Rectangle 6">
@@ -8803,7 +9153,7 @@
           <a:p>
             <a:r>
               <a:rPr lang="en-US" dirty="0"/>
-              <a:t>How comfortable are you taking even more complicated first derivatives of linear functions?</a:t>
+              <a:t>How comfortable are you taking even more complicated first derivatives?</a:t>
             </a:r>
           </a:p>
         </p:txBody>
@@ -8893,8 +9243,8 @@
           </a:p>
         </p:txBody>
       </p:sp>
-      <mc:AlternateContent xmlns:mc="http://schemas.openxmlformats.org/markup-compatibility/2006" xmlns:a14="http://schemas.microsoft.com/office/drawing/2010/main">
-        <mc:Choice Requires="a14">
+      <mc:AlternateContent xmlns:mc="http://schemas.openxmlformats.org/markup-compatibility/2006">
+        <mc:Choice xmlns:a14="http://schemas.microsoft.com/office/drawing/2010/main" Requires="a14">
           <p:sp>
             <p:nvSpPr>
               <p:cNvPr id="7" name="Rectangle 6">
@@ -9140,7 +9490,25 @@
                           </a:solidFill>
                           <a:latin typeface="Cambria Math" panose="02040503050406030204" pitchFamily="18" charset="0"/>
                         </a:rPr>
-                        <m:t>=?</m:t>
+                        <m:t>=</m:t>
+                      </m:r>
+                      <m:r>
+                        <a:rPr lang="en-US" sz="2400" b="0" i="1" smtClean="0">
+                          <a:solidFill>
+                            <a:schemeClr val="tx1"/>
+                          </a:solidFill>
+                          <a:latin typeface="Cambria Math" panose="02040503050406030204" pitchFamily="18" charset="0"/>
+                        </a:rPr>
+                        <m:t> </m:t>
+                      </m:r>
+                      <m:r>
+                        <a:rPr lang="en-US" sz="2400" i="1">
+                          <a:solidFill>
+                            <a:schemeClr val="tx1"/>
+                          </a:solidFill>
+                          <a:latin typeface="Cambria Math" panose="02040503050406030204" pitchFamily="18" charset="0"/>
+                        </a:rPr>
+                        <m:t>?</m:t>
                       </m:r>
                     </m:oMath>
                   </m:oMathPara>
@@ -9173,7 +9541,7 @@
             </p:txBody>
           </p:sp>
         </mc:Choice>
-        <mc:Fallback xmlns="">
+        <mc:Fallback>
           <p:sp>
             <p:nvSpPr>
               <p:cNvPr id="7" name="Rectangle 6">
@@ -9306,7 +9674,14 @@
           <a:p>
             <a:r>
               <a:rPr lang="en-US" dirty="0"/>
-              <a:t>The following few lectures will be primarily a review / preview of the material to be covered this semester.</a:t>
+              <a:t>We will be reviewing material covered in Principles of Economics.</a:t>
+            </a:r>
+          </a:p>
+          <a:p>
+            <a:pPr lvl="1"/>
+            <a:r>
+              <a:rPr lang="en-US" dirty="0"/>
+              <a:t>Demand, Supply, Equilibrium, Preferences, Budgets, etc.</a:t>
             </a:r>
           </a:p>
           <a:p>
@@ -9326,18 +9701,12 @@
           <a:p>
             <a:r>
               <a:rPr lang="en-US" dirty="0"/>
-              <a:t>The lowest 1 or 2 quizzes will be dropped at the end of the semester.</a:t>
+              <a:t>A short homework assignment (max 500 words) will be assigned over the weekend.</a:t>
             </a:r>
           </a:p>
           <a:p>
             <a:pPr lvl="1"/>
             <a:endParaRPr lang="en-US" sz="1200" dirty="0"/>
-          </a:p>
-          <a:p>
-            <a:r>
-              <a:rPr lang="en-US" dirty="0"/>
-              <a:t>Quizzes may be substituted to homework assignments at the instructor’s discretion.</a:t>
-            </a:r>
           </a:p>
         </p:txBody>
       </p:sp>
@@ -9474,124 +9843,43 @@
         </p:nvSpPr>
         <p:spPr/>
         <p:txBody>
+          <a:bodyPr/>
+          <a:lstStyle/>
+          <a:p>
+            <a:r>
+              <a:rPr lang="en-US" dirty="0" err="1"/>
+              <a:t>PollEverywhere</a:t>
+            </a:r>
+            <a:endParaRPr lang="en-US" dirty="0"/>
+          </a:p>
+        </p:txBody>
+      </p:sp>
+      <p:sp>
+        <p:nvSpPr>
+          <p:cNvPr id="3" name="Content Placeholder 2">
+            <a:extLst>
+              <a:ext uri="{FF2B5EF4-FFF2-40B4-BE49-F238E27FC236}">
+                <a16:creationId xmlns:a16="http://schemas.microsoft.com/office/drawing/2014/main" id="{97FEFFAF-3949-E82D-4583-E06DA22E7204}"/>
+              </a:ext>
+            </a:extLst>
+          </p:cNvPr>
+          <p:cNvSpPr>
+            <a:spLocks noGrp="1"/>
+          </p:cNvSpPr>
+          <p:nvPr>
+            <p:ph idx="1"/>
+          </p:nvPr>
+        </p:nvSpPr>
+        <p:spPr/>
+        <p:txBody>
           <a:bodyPr>
             <a:normAutofit/>
           </a:bodyPr>
           <a:lstStyle/>
           <a:p>
             <a:r>
-              <a:rPr lang="en-US" sz="3200" dirty="0"/>
-              <a:t>What is Intermediate Price Theory?</a:t>
-            </a:r>
-          </a:p>
-        </p:txBody>
-      </p:sp>
-      <p:sp>
-        <p:nvSpPr>
-          <p:cNvPr id="3" name="Content Placeholder 2">
-            <a:extLst>
-              <a:ext uri="{FF2B5EF4-FFF2-40B4-BE49-F238E27FC236}">
-                <a16:creationId xmlns:a16="http://schemas.microsoft.com/office/drawing/2014/main" id="{97FEFFAF-3949-E82D-4583-E06DA22E7204}"/>
-              </a:ext>
-            </a:extLst>
-          </p:cNvPr>
-          <p:cNvSpPr>
-            <a:spLocks noGrp="1"/>
-          </p:cNvSpPr>
-          <p:nvPr>
-            <p:ph idx="1"/>
-          </p:nvPr>
-        </p:nvSpPr>
-        <p:spPr/>
-        <p:txBody>
-          <a:bodyPr>
-            <a:normAutofit/>
-          </a:bodyPr>
-          <a:lstStyle/>
-          <a:p>
-            <a:r>
               <a:rPr lang="en-US" dirty="0"/>
-              <a:t>In this course we cover the following topics:</a:t>
-            </a:r>
-          </a:p>
-          <a:p>
-            <a:endParaRPr lang="en-US" sz="1200" dirty="0"/>
-          </a:p>
-          <a:p>
-            <a:r>
-              <a:rPr lang="en-US" dirty="0"/>
-              <a:t>How </a:t>
-            </a:r>
-            <a:r>
-              <a:rPr lang="en-US" b="1" dirty="0"/>
-              <a:t>individuals</a:t>
-            </a:r>
-            <a:r>
-              <a:rPr lang="en-US" dirty="0"/>
-              <a:t> make decisions</a:t>
-            </a:r>
-          </a:p>
-          <a:p>
-            <a:pPr lvl="1"/>
-            <a:r>
-              <a:rPr lang="en-US" dirty="0"/>
-              <a:t>How would an agent make consumption choices?</a:t>
-            </a:r>
-          </a:p>
-          <a:p>
-            <a:pPr lvl="1"/>
-            <a:r>
-              <a:rPr lang="en-US" dirty="0"/>
-              <a:t>How would agents make production decisions?</a:t>
-            </a:r>
-          </a:p>
-          <a:p>
-            <a:pPr lvl="1"/>
-            <a:endParaRPr lang="en-US" sz="1200" dirty="0"/>
-          </a:p>
-          <a:p>
-            <a:r>
-              <a:rPr lang="en-US" dirty="0"/>
-              <a:t>How these individual decisions </a:t>
-            </a:r>
-            <a:r>
-              <a:rPr lang="en-US" b="1" dirty="0"/>
-              <a:t>interact</a:t>
-            </a:r>
-          </a:p>
-          <a:p>
-            <a:pPr lvl="1"/>
-            <a:r>
-              <a:rPr lang="en-US" dirty="0"/>
-              <a:t>What is a market equilibrium?</a:t>
-            </a:r>
-          </a:p>
-          <a:p>
-            <a:pPr lvl="1"/>
-            <a:r>
-              <a:rPr lang="en-US" dirty="0"/>
-              <a:t>Who wins, and who loses?</a:t>
-            </a:r>
-          </a:p>
-          <a:p>
-            <a:pPr lvl="1"/>
-            <a:r>
-              <a:rPr lang="en-US" dirty="0"/>
-              <a:t>How would the government fit in this framework?</a:t>
-            </a:r>
-          </a:p>
-          <a:p>
-            <a:pPr lvl="1"/>
-            <a:endParaRPr lang="en-US" sz="1200" dirty="0"/>
-          </a:p>
-          <a:p>
-            <a:r>
-              <a:rPr lang="en-US" dirty="0"/>
-              <a:t>What happens </a:t>
-            </a:r>
-            <a:r>
-              <a:rPr lang="en-US" b="1" dirty="0"/>
-              <a:t>when assumptions fail</a:t>
+              <a:t>https://pollev.com/brianpark046</a:t>
             </a:r>
           </a:p>
         </p:txBody>
@@ -9676,589 +9964,6 @@
             <a:fld id="{1A980C56-831A-4EAB-9EDE-57C090F4F877}" type="slidenum">
               <a:rPr lang="en-US" smtClean="0"/>
               <a:t>3</a:t>
-            </a:fld>
-            <a:endParaRPr lang="en-US"/>
-          </a:p>
-        </p:txBody>
-      </p:sp>
-    </p:spTree>
-    <p:extLst>
-      <p:ext uri="{BB962C8B-B14F-4D97-AF65-F5344CB8AC3E}">
-        <p14:creationId xmlns:p14="http://schemas.microsoft.com/office/powerpoint/2010/main" val="566551671"/>
-      </p:ext>
-    </p:extLst>
-  </p:cSld>
-  <p:clrMapOvr>
-    <a:masterClrMapping/>
-  </p:clrMapOvr>
-</p:sld>
-</file>
-
-<file path=ppt/slides/slide4.xml><?xml version="1.0" encoding="utf-8"?>
-<p:sld xmlns:a="http://schemas.openxmlformats.org/drawingml/2006/main" xmlns:r="http://schemas.openxmlformats.org/officeDocument/2006/relationships" xmlns:p="http://schemas.openxmlformats.org/presentationml/2006/main">
-  <p:cSld>
-    <p:spTree>
-      <p:nvGrpSpPr>
-        <p:cNvPr id="1" name=""/>
-        <p:cNvGrpSpPr/>
-        <p:nvPr/>
-      </p:nvGrpSpPr>
-      <p:grpSpPr>
-        <a:xfrm>
-          <a:off x="0" y="0"/>
-          <a:ext cx="0" cy="0"/>
-          <a:chOff x="0" y="0"/>
-          <a:chExt cx="0" cy="0"/>
-        </a:xfrm>
-      </p:grpSpPr>
-      <p:sp>
-        <p:nvSpPr>
-          <p:cNvPr id="2" name="Title 1">
-            <a:extLst>
-              <a:ext uri="{FF2B5EF4-FFF2-40B4-BE49-F238E27FC236}">
-                <a16:creationId xmlns:a16="http://schemas.microsoft.com/office/drawing/2014/main" id="{776B09A4-5BC9-4EA8-C267-D3B26A49D07E}"/>
-              </a:ext>
-            </a:extLst>
-          </p:cNvPr>
-          <p:cNvSpPr>
-            <a:spLocks noGrp="1"/>
-          </p:cNvSpPr>
-          <p:nvPr>
-            <p:ph type="title"/>
-          </p:nvPr>
-        </p:nvSpPr>
-        <p:spPr/>
-        <p:txBody>
-          <a:bodyPr>
-            <a:normAutofit/>
-          </a:bodyPr>
-          <a:lstStyle/>
-          <a:p>
-            <a:r>
-              <a:rPr lang="en-US" sz="3200" dirty="0"/>
-              <a:t>Why Should We Care?</a:t>
-            </a:r>
-          </a:p>
-        </p:txBody>
-      </p:sp>
-      <p:sp>
-        <p:nvSpPr>
-          <p:cNvPr id="11" name="Content Placeholder 10">
-            <a:extLst>
-              <a:ext uri="{FF2B5EF4-FFF2-40B4-BE49-F238E27FC236}">
-                <a16:creationId xmlns:a16="http://schemas.microsoft.com/office/drawing/2014/main" id="{0FE28D5A-5539-7934-2359-95F278F3F1DD}"/>
-              </a:ext>
-            </a:extLst>
-          </p:cNvPr>
-          <p:cNvSpPr>
-            <a:spLocks noGrp="1"/>
-          </p:cNvSpPr>
-          <p:nvPr>
-            <p:ph idx="1"/>
-          </p:nvPr>
-        </p:nvSpPr>
-        <p:spPr/>
-        <p:txBody>
-          <a:bodyPr/>
-          <a:lstStyle/>
-          <a:p>
-            <a:r>
-              <a:rPr lang="en-US" dirty="0"/>
-              <a:t>Why are prices </a:t>
-            </a:r>
-          </a:p>
-          <a:p>
-            <a:endParaRPr lang="en-US" dirty="0"/>
-          </a:p>
-        </p:txBody>
-      </p:sp>
-      <p:sp>
-        <p:nvSpPr>
-          <p:cNvPr id="4" name="Date Placeholder 3">
-            <a:extLst>
-              <a:ext uri="{FF2B5EF4-FFF2-40B4-BE49-F238E27FC236}">
-                <a16:creationId xmlns:a16="http://schemas.microsoft.com/office/drawing/2014/main" id="{CE725A02-EA7A-7321-8B8B-168BF05EA587}"/>
-              </a:ext>
-            </a:extLst>
-          </p:cNvPr>
-          <p:cNvSpPr>
-            <a:spLocks noGrp="1"/>
-          </p:cNvSpPr>
-          <p:nvPr>
-            <p:ph type="dt" sz="half" idx="10"/>
-          </p:nvPr>
-        </p:nvSpPr>
-        <p:spPr/>
-        <p:txBody>
-          <a:bodyPr/>
-          <a:lstStyle/>
-          <a:p>
-            <a:r>
-              <a:rPr lang="en-US"/>
-              <a:t>Fall 2023</a:t>
-            </a:r>
-          </a:p>
-        </p:txBody>
-      </p:sp>
-      <p:sp>
-        <p:nvSpPr>
-          <p:cNvPr id="5" name="Footer Placeholder 4">
-            <a:extLst>
-              <a:ext uri="{FF2B5EF4-FFF2-40B4-BE49-F238E27FC236}">
-                <a16:creationId xmlns:a16="http://schemas.microsoft.com/office/drawing/2014/main" id="{024C4429-8EF0-A6CF-DF65-1DD6365F71D2}"/>
-              </a:ext>
-            </a:extLst>
-          </p:cNvPr>
-          <p:cNvSpPr>
-            <a:spLocks noGrp="1"/>
-          </p:cNvSpPr>
-          <p:nvPr>
-            <p:ph type="ftr" sz="quarter" idx="11"/>
-          </p:nvPr>
-        </p:nvSpPr>
-        <p:spPr/>
-        <p:txBody>
-          <a:bodyPr/>
-          <a:lstStyle/>
-          <a:p>
-            <a:r>
-              <a:rPr lang="en-US"/>
-              <a:t>DEPARTMENT OF BUSINESS &amp; ECONOMICS</a:t>
-            </a:r>
-          </a:p>
-        </p:txBody>
-      </p:sp>
-      <p:sp>
-        <p:nvSpPr>
-          <p:cNvPr id="6" name="Slide Number Placeholder 5">
-            <a:extLst>
-              <a:ext uri="{FF2B5EF4-FFF2-40B4-BE49-F238E27FC236}">
-                <a16:creationId xmlns:a16="http://schemas.microsoft.com/office/drawing/2014/main" id="{E35CE67F-4580-2DF1-52D2-80C99C5F60C8}"/>
-              </a:ext>
-            </a:extLst>
-          </p:cNvPr>
-          <p:cNvSpPr>
-            <a:spLocks noGrp="1"/>
-          </p:cNvSpPr>
-          <p:nvPr>
-            <p:ph type="sldNum" sz="quarter" idx="12"/>
-          </p:nvPr>
-        </p:nvSpPr>
-        <p:spPr/>
-        <p:txBody>
-          <a:bodyPr/>
-          <a:lstStyle/>
-          <a:p>
-            <a:fld id="{1A980C56-831A-4EAB-9EDE-57C090F4F877}" type="slidenum">
-              <a:rPr lang="en-US" smtClean="0"/>
-              <a:t>4</a:t>
-            </a:fld>
-            <a:endParaRPr lang="en-US"/>
-          </a:p>
-        </p:txBody>
-      </p:sp>
-    </p:spTree>
-    <p:extLst>
-      <p:ext uri="{BB962C8B-B14F-4D97-AF65-F5344CB8AC3E}">
-        <p14:creationId xmlns:p14="http://schemas.microsoft.com/office/powerpoint/2010/main" val="1090297616"/>
-      </p:ext>
-    </p:extLst>
-  </p:cSld>
-  <p:clrMapOvr>
-    <a:masterClrMapping/>
-  </p:clrMapOvr>
-</p:sld>
-</file>
-
-<file path=ppt/slides/slide5.xml><?xml version="1.0" encoding="utf-8"?>
-<p:sld xmlns:a="http://schemas.openxmlformats.org/drawingml/2006/main" xmlns:r="http://schemas.openxmlformats.org/officeDocument/2006/relationships" xmlns:p="http://schemas.openxmlformats.org/presentationml/2006/main">
-  <p:cSld>
-    <p:spTree>
-      <p:nvGrpSpPr>
-        <p:cNvPr id="1" name=""/>
-        <p:cNvGrpSpPr/>
-        <p:nvPr/>
-      </p:nvGrpSpPr>
-      <p:grpSpPr>
-        <a:xfrm>
-          <a:off x="0" y="0"/>
-          <a:ext cx="0" cy="0"/>
-          <a:chOff x="0" y="0"/>
-          <a:chExt cx="0" cy="0"/>
-        </a:xfrm>
-      </p:grpSpPr>
-      <p:sp>
-        <p:nvSpPr>
-          <p:cNvPr id="2" name="Title 1">
-            <a:extLst>
-              <a:ext uri="{FF2B5EF4-FFF2-40B4-BE49-F238E27FC236}">
-                <a16:creationId xmlns:a16="http://schemas.microsoft.com/office/drawing/2014/main" id="{776B09A4-5BC9-4EA8-C267-D3B26A49D07E}"/>
-              </a:ext>
-            </a:extLst>
-          </p:cNvPr>
-          <p:cNvSpPr>
-            <a:spLocks noGrp="1"/>
-          </p:cNvSpPr>
-          <p:nvPr>
-            <p:ph type="title"/>
-          </p:nvPr>
-        </p:nvSpPr>
-        <p:spPr/>
-        <p:txBody>
-          <a:bodyPr/>
-          <a:lstStyle/>
-          <a:p>
-            <a:r>
-              <a:rPr lang="en-US" dirty="0"/>
-              <a:t>About Me</a:t>
-            </a:r>
-          </a:p>
-        </p:txBody>
-      </p:sp>
-      <p:sp>
-        <p:nvSpPr>
-          <p:cNvPr id="3" name="Content Placeholder 2">
-            <a:extLst>
-              <a:ext uri="{FF2B5EF4-FFF2-40B4-BE49-F238E27FC236}">
-                <a16:creationId xmlns:a16="http://schemas.microsoft.com/office/drawing/2014/main" id="{97FEFFAF-3949-E82D-4583-E06DA22E7204}"/>
-              </a:ext>
-            </a:extLst>
-          </p:cNvPr>
-          <p:cNvSpPr>
-            <a:spLocks noGrp="1"/>
-          </p:cNvSpPr>
-          <p:nvPr>
-            <p:ph idx="1"/>
-          </p:nvPr>
-        </p:nvSpPr>
-        <p:spPr/>
-        <p:txBody>
-          <a:bodyPr>
-            <a:normAutofit/>
-          </a:bodyPr>
-          <a:lstStyle/>
-          <a:p>
-            <a:r>
-              <a:rPr lang="en-US" dirty="0"/>
-              <a:t>Ph.D. Cornell University</a:t>
-            </a:r>
-          </a:p>
-          <a:p>
-            <a:pPr lvl="1"/>
-            <a:endParaRPr lang="en-US" sz="800" dirty="0"/>
-          </a:p>
-          <a:p>
-            <a:r>
-              <a:rPr lang="en-US" dirty="0"/>
-              <a:t>B.A. Korea University</a:t>
-            </a:r>
-          </a:p>
-          <a:p>
-            <a:pPr lvl="1"/>
-            <a:endParaRPr lang="en-US" sz="800" dirty="0"/>
-          </a:p>
-          <a:p>
-            <a:r>
-              <a:rPr lang="en-US" dirty="0"/>
-              <a:t>Research Interests</a:t>
-            </a:r>
-          </a:p>
-          <a:p>
-            <a:pPr lvl="1"/>
-            <a:r>
-              <a:rPr lang="en-US" dirty="0"/>
-              <a:t>Environmental: Climate Change, Air Pollution</a:t>
-            </a:r>
-          </a:p>
-          <a:p>
-            <a:pPr lvl="1"/>
-            <a:r>
-              <a:rPr lang="en-US" dirty="0"/>
-              <a:t>Demographic: Migration, Fertility</a:t>
-            </a:r>
-          </a:p>
-          <a:p>
-            <a:pPr lvl="1"/>
-            <a:r>
-              <a:rPr lang="en-US" dirty="0"/>
-              <a:t>Labor: Employment Stability</a:t>
-            </a:r>
-            <a:endParaRPr lang="en-US" sz="800" dirty="0"/>
-          </a:p>
-          <a:p>
-            <a:pPr lvl="1"/>
-            <a:endParaRPr lang="en-US" sz="800" dirty="0"/>
-          </a:p>
-          <a:p>
-            <a:r>
-              <a:rPr lang="en-US" dirty="0"/>
-              <a:t>1</a:t>
-            </a:r>
-            <a:r>
-              <a:rPr lang="en-US" baseline="30000" dirty="0"/>
-              <a:t>st</a:t>
-            </a:r>
-            <a:r>
-              <a:rPr lang="en-US" dirty="0"/>
-              <a:t> Year at Monmouth College</a:t>
-            </a:r>
-          </a:p>
-        </p:txBody>
-      </p:sp>
-      <p:sp>
-        <p:nvSpPr>
-          <p:cNvPr id="4" name="Date Placeholder 3">
-            <a:extLst>
-              <a:ext uri="{FF2B5EF4-FFF2-40B4-BE49-F238E27FC236}">
-                <a16:creationId xmlns:a16="http://schemas.microsoft.com/office/drawing/2014/main" id="{CE725A02-EA7A-7321-8B8B-168BF05EA587}"/>
-              </a:ext>
-            </a:extLst>
-          </p:cNvPr>
-          <p:cNvSpPr>
-            <a:spLocks noGrp="1"/>
-          </p:cNvSpPr>
-          <p:nvPr>
-            <p:ph type="dt" sz="half" idx="10"/>
-          </p:nvPr>
-        </p:nvSpPr>
-        <p:spPr/>
-        <p:txBody>
-          <a:bodyPr/>
-          <a:lstStyle/>
-          <a:p>
-            <a:r>
-              <a:rPr lang="en-US"/>
-              <a:t>Fall 2023</a:t>
-            </a:r>
-          </a:p>
-        </p:txBody>
-      </p:sp>
-      <p:sp>
-        <p:nvSpPr>
-          <p:cNvPr id="5" name="Footer Placeholder 4">
-            <a:extLst>
-              <a:ext uri="{FF2B5EF4-FFF2-40B4-BE49-F238E27FC236}">
-                <a16:creationId xmlns:a16="http://schemas.microsoft.com/office/drawing/2014/main" id="{024C4429-8EF0-A6CF-DF65-1DD6365F71D2}"/>
-              </a:ext>
-            </a:extLst>
-          </p:cNvPr>
-          <p:cNvSpPr>
-            <a:spLocks noGrp="1"/>
-          </p:cNvSpPr>
-          <p:nvPr>
-            <p:ph type="ftr" sz="quarter" idx="11"/>
-          </p:nvPr>
-        </p:nvSpPr>
-        <p:spPr/>
-        <p:txBody>
-          <a:bodyPr/>
-          <a:lstStyle/>
-          <a:p>
-            <a:r>
-              <a:rPr lang="en-US"/>
-              <a:t>DEPARTMENT OF BUSINESS &amp; ECONOMICS</a:t>
-            </a:r>
-          </a:p>
-        </p:txBody>
-      </p:sp>
-      <p:sp>
-        <p:nvSpPr>
-          <p:cNvPr id="6" name="Slide Number Placeholder 5">
-            <a:extLst>
-              <a:ext uri="{FF2B5EF4-FFF2-40B4-BE49-F238E27FC236}">
-                <a16:creationId xmlns:a16="http://schemas.microsoft.com/office/drawing/2014/main" id="{E35CE67F-4580-2DF1-52D2-80C99C5F60C8}"/>
-              </a:ext>
-            </a:extLst>
-          </p:cNvPr>
-          <p:cNvSpPr>
-            <a:spLocks noGrp="1"/>
-          </p:cNvSpPr>
-          <p:nvPr>
-            <p:ph type="sldNum" sz="quarter" idx="12"/>
-          </p:nvPr>
-        </p:nvSpPr>
-        <p:spPr/>
-        <p:txBody>
-          <a:bodyPr/>
-          <a:lstStyle/>
-          <a:p>
-            <a:fld id="{1A980C56-831A-4EAB-9EDE-57C090F4F877}" type="slidenum">
-              <a:rPr lang="en-US" smtClean="0"/>
-              <a:t>5</a:t>
-            </a:fld>
-            <a:endParaRPr lang="en-US"/>
-          </a:p>
-        </p:txBody>
-      </p:sp>
-    </p:spTree>
-    <p:extLst>
-      <p:ext uri="{BB962C8B-B14F-4D97-AF65-F5344CB8AC3E}">
-        <p14:creationId xmlns:p14="http://schemas.microsoft.com/office/powerpoint/2010/main" val="4091535570"/>
-      </p:ext>
-    </p:extLst>
-  </p:cSld>
-  <p:clrMapOvr>
-    <a:masterClrMapping/>
-  </p:clrMapOvr>
-</p:sld>
-</file>
-
-<file path=ppt/slides/slide6.xml><?xml version="1.0" encoding="utf-8"?>
-<p:sld xmlns:a="http://schemas.openxmlformats.org/drawingml/2006/main" xmlns:r="http://schemas.openxmlformats.org/officeDocument/2006/relationships" xmlns:p="http://schemas.openxmlformats.org/presentationml/2006/main">
-  <p:cSld>
-    <p:spTree>
-      <p:nvGrpSpPr>
-        <p:cNvPr id="1" name=""/>
-        <p:cNvGrpSpPr/>
-        <p:nvPr/>
-      </p:nvGrpSpPr>
-      <p:grpSpPr>
-        <a:xfrm>
-          <a:off x="0" y="0"/>
-          <a:ext cx="0" cy="0"/>
-          <a:chOff x="0" y="0"/>
-          <a:chExt cx="0" cy="0"/>
-        </a:xfrm>
-      </p:grpSpPr>
-      <p:sp>
-        <p:nvSpPr>
-          <p:cNvPr id="2" name="Title 1">
-            <a:extLst>
-              <a:ext uri="{FF2B5EF4-FFF2-40B4-BE49-F238E27FC236}">
-                <a16:creationId xmlns:a16="http://schemas.microsoft.com/office/drawing/2014/main" id="{776B09A4-5BC9-4EA8-C267-D3B26A49D07E}"/>
-              </a:ext>
-            </a:extLst>
-          </p:cNvPr>
-          <p:cNvSpPr>
-            <a:spLocks noGrp="1"/>
-          </p:cNvSpPr>
-          <p:nvPr>
-            <p:ph type="title"/>
-          </p:nvPr>
-        </p:nvSpPr>
-        <p:spPr/>
-        <p:txBody>
-          <a:bodyPr/>
-          <a:lstStyle/>
-          <a:p>
-            <a:r>
-              <a:rPr lang="en-US" dirty="0" err="1"/>
-              <a:t>PollEverywhere</a:t>
-            </a:r>
-            <a:endParaRPr lang="en-US" dirty="0"/>
-          </a:p>
-        </p:txBody>
-      </p:sp>
-      <p:sp>
-        <p:nvSpPr>
-          <p:cNvPr id="3" name="Content Placeholder 2">
-            <a:extLst>
-              <a:ext uri="{FF2B5EF4-FFF2-40B4-BE49-F238E27FC236}">
-                <a16:creationId xmlns:a16="http://schemas.microsoft.com/office/drawing/2014/main" id="{97FEFFAF-3949-E82D-4583-E06DA22E7204}"/>
-              </a:ext>
-            </a:extLst>
-          </p:cNvPr>
-          <p:cNvSpPr>
-            <a:spLocks noGrp="1"/>
-          </p:cNvSpPr>
-          <p:nvPr>
-            <p:ph idx="1"/>
-          </p:nvPr>
-        </p:nvSpPr>
-        <p:spPr/>
-        <p:txBody>
-          <a:bodyPr>
-            <a:normAutofit/>
-          </a:bodyPr>
-          <a:lstStyle/>
-          <a:p>
-            <a:r>
-              <a:rPr lang="en-US" dirty="0"/>
-              <a:t>https://pollev.com/brianpark046</a:t>
-            </a:r>
-          </a:p>
-        </p:txBody>
-      </p:sp>
-      <p:sp>
-        <p:nvSpPr>
-          <p:cNvPr id="4" name="Date Placeholder 3">
-            <a:extLst>
-              <a:ext uri="{FF2B5EF4-FFF2-40B4-BE49-F238E27FC236}">
-                <a16:creationId xmlns:a16="http://schemas.microsoft.com/office/drawing/2014/main" id="{CE725A02-EA7A-7321-8B8B-168BF05EA587}"/>
-              </a:ext>
-            </a:extLst>
-          </p:cNvPr>
-          <p:cNvSpPr>
-            <a:spLocks noGrp="1"/>
-          </p:cNvSpPr>
-          <p:nvPr>
-            <p:ph type="dt" sz="half" idx="10"/>
-          </p:nvPr>
-        </p:nvSpPr>
-        <p:spPr/>
-        <p:txBody>
-          <a:bodyPr/>
-          <a:lstStyle/>
-          <a:p>
-            <a:r>
-              <a:rPr lang="en-US"/>
-              <a:t>Fall 2023</a:t>
-            </a:r>
-          </a:p>
-        </p:txBody>
-      </p:sp>
-      <p:sp>
-        <p:nvSpPr>
-          <p:cNvPr id="5" name="Footer Placeholder 4">
-            <a:extLst>
-              <a:ext uri="{FF2B5EF4-FFF2-40B4-BE49-F238E27FC236}">
-                <a16:creationId xmlns:a16="http://schemas.microsoft.com/office/drawing/2014/main" id="{024C4429-8EF0-A6CF-DF65-1DD6365F71D2}"/>
-              </a:ext>
-            </a:extLst>
-          </p:cNvPr>
-          <p:cNvSpPr>
-            <a:spLocks noGrp="1"/>
-          </p:cNvSpPr>
-          <p:nvPr>
-            <p:ph type="ftr" sz="quarter" idx="11"/>
-          </p:nvPr>
-        </p:nvSpPr>
-        <p:spPr/>
-        <p:txBody>
-          <a:bodyPr/>
-          <a:lstStyle/>
-          <a:p>
-            <a:r>
-              <a:rPr lang="en-US"/>
-              <a:t>DEPARTMENT OF BUSINESS &amp; ECONOMICS</a:t>
-            </a:r>
-          </a:p>
-        </p:txBody>
-      </p:sp>
-      <p:sp>
-        <p:nvSpPr>
-          <p:cNvPr id="6" name="Slide Number Placeholder 5">
-            <a:extLst>
-              <a:ext uri="{FF2B5EF4-FFF2-40B4-BE49-F238E27FC236}">
-                <a16:creationId xmlns:a16="http://schemas.microsoft.com/office/drawing/2014/main" id="{E35CE67F-4580-2DF1-52D2-80C99C5F60C8}"/>
-              </a:ext>
-            </a:extLst>
-          </p:cNvPr>
-          <p:cNvSpPr>
-            <a:spLocks noGrp="1"/>
-          </p:cNvSpPr>
-          <p:nvPr>
-            <p:ph type="sldNum" sz="quarter" idx="12"/>
-          </p:nvPr>
-        </p:nvSpPr>
-        <p:spPr/>
-        <p:txBody>
-          <a:bodyPr/>
-          <a:lstStyle/>
-          <a:p>
-            <a:fld id="{1A980C56-831A-4EAB-9EDE-57C090F4F877}" type="slidenum">
-              <a:rPr lang="en-US" smtClean="0"/>
-              <a:t>6</a:t>
             </a:fld>
             <a:endParaRPr lang="en-US"/>
           </a:p>
@@ -10313,6 +10018,567 @@
 </p:sld>
 </file>
 
+<file path=ppt/slides/slide4.xml><?xml version="1.0" encoding="utf-8"?>
+<p:sld xmlns:a="http://schemas.openxmlformats.org/drawingml/2006/main" xmlns:r="http://schemas.openxmlformats.org/officeDocument/2006/relationships" xmlns:p="http://schemas.openxmlformats.org/presentationml/2006/main">
+  <p:cSld>
+    <p:spTree>
+      <p:nvGrpSpPr>
+        <p:cNvPr id="1" name=""/>
+        <p:cNvGrpSpPr/>
+        <p:nvPr/>
+      </p:nvGrpSpPr>
+      <p:grpSpPr>
+        <a:xfrm>
+          <a:off x="0" y="0"/>
+          <a:ext cx="0" cy="0"/>
+          <a:chOff x="0" y="0"/>
+          <a:chExt cx="0" cy="0"/>
+        </a:xfrm>
+      </p:grpSpPr>
+      <p:sp>
+        <p:nvSpPr>
+          <p:cNvPr id="2" name="Date Placeholder 1">
+            <a:extLst>
+              <a:ext uri="{FF2B5EF4-FFF2-40B4-BE49-F238E27FC236}">
+                <a16:creationId xmlns:a16="http://schemas.microsoft.com/office/drawing/2014/main" id="{1022C780-F98E-749C-4F79-DE6B25F4A3B8}"/>
+              </a:ext>
+            </a:extLst>
+          </p:cNvPr>
+          <p:cNvSpPr>
+            <a:spLocks noGrp="1"/>
+          </p:cNvSpPr>
+          <p:nvPr>
+            <p:ph type="dt" sz="half" idx="10"/>
+          </p:nvPr>
+        </p:nvSpPr>
+        <p:spPr/>
+        <p:txBody>
+          <a:bodyPr/>
+          <a:lstStyle/>
+          <a:p>
+            <a:r>
+              <a:rPr lang="en-US"/>
+              <a:t>Fall 2023</a:t>
+            </a:r>
+          </a:p>
+        </p:txBody>
+      </p:sp>
+      <p:sp>
+        <p:nvSpPr>
+          <p:cNvPr id="3" name="Footer Placeholder 2">
+            <a:extLst>
+              <a:ext uri="{FF2B5EF4-FFF2-40B4-BE49-F238E27FC236}">
+                <a16:creationId xmlns:a16="http://schemas.microsoft.com/office/drawing/2014/main" id="{40927615-3499-AB42-D0B7-17260449353D}"/>
+              </a:ext>
+            </a:extLst>
+          </p:cNvPr>
+          <p:cNvSpPr>
+            <a:spLocks noGrp="1"/>
+          </p:cNvSpPr>
+          <p:nvPr>
+            <p:ph type="ftr" sz="quarter" idx="11"/>
+          </p:nvPr>
+        </p:nvSpPr>
+        <p:spPr/>
+        <p:txBody>
+          <a:bodyPr/>
+          <a:lstStyle/>
+          <a:p>
+            <a:r>
+              <a:rPr lang="en-US"/>
+              <a:t>DEPARTMENT OF BUSINESS &amp; ECONOMICS</a:t>
+            </a:r>
+          </a:p>
+        </p:txBody>
+      </p:sp>
+      <p:sp>
+        <p:nvSpPr>
+          <p:cNvPr id="4" name="Slide Number Placeholder 3">
+            <a:extLst>
+              <a:ext uri="{FF2B5EF4-FFF2-40B4-BE49-F238E27FC236}">
+                <a16:creationId xmlns:a16="http://schemas.microsoft.com/office/drawing/2014/main" id="{9D866D59-D2FF-C5B0-1BD0-23C9A7C2DF4B}"/>
+              </a:ext>
+            </a:extLst>
+          </p:cNvPr>
+          <p:cNvSpPr>
+            <a:spLocks noGrp="1"/>
+          </p:cNvSpPr>
+          <p:nvPr>
+            <p:ph type="sldNum" sz="quarter" idx="12"/>
+          </p:nvPr>
+        </p:nvSpPr>
+        <p:spPr/>
+        <p:txBody>
+          <a:bodyPr/>
+          <a:lstStyle/>
+          <a:p>
+            <a:fld id="{1A980C56-831A-4EAB-9EDE-57C090F4F877}" type="slidenum">
+              <a:rPr lang="en-US" smtClean="0"/>
+              <a:t>4</a:t>
+            </a:fld>
+            <a:endParaRPr lang="en-US"/>
+          </a:p>
+        </p:txBody>
+      </p:sp>
+      <p:pic>
+        <p:nvPicPr>
+          <p:cNvPr id="6" name="Picture 5">
+            <a:extLst>
+              <a:ext uri="{FF2B5EF4-FFF2-40B4-BE49-F238E27FC236}">
+                <a16:creationId xmlns:a16="http://schemas.microsoft.com/office/drawing/2014/main" id="{C744EA90-0465-61EF-CE4F-AD482A830469}"/>
+              </a:ext>
+            </a:extLst>
+          </p:cNvPr>
+          <p:cNvPicPr>
+            <a:picLocks/>
+          </p:cNvPicPr>
+          <p:nvPr>
+            <p:custDataLst>
+              <p:tags r:id="rId1"/>
+            </p:custDataLst>
+          </p:nvPr>
+        </p:nvPicPr>
+        <p:blipFill>
+          <a:blip r:embed="rId4">
+            <a:extLst>
+              <a:ext uri="{28A0092B-C50C-407E-A947-70E740481C1C}">
+                <a14:useLocalDpi xmlns:a14="http://schemas.microsoft.com/office/drawing/2010/main" val="0"/>
+              </a:ext>
+            </a:extLst>
+          </a:blip>
+          <a:stretch>
+            <a:fillRect/>
+          </a:stretch>
+        </p:blipFill>
+        <p:spPr>
+          <a:xfrm>
+            <a:off x="0" y="0"/>
+            <a:ext cx="9144000" cy="6858000"/>
+          </a:xfrm>
+          <a:prstGeom prst="rect">
+            <a:avLst/>
+          </a:prstGeom>
+        </p:spPr>
+      </p:pic>
+    </p:spTree>
+    <p:extLst>
+      <p:ext uri="{BB962C8B-B14F-4D97-AF65-F5344CB8AC3E}">
+        <p14:creationId xmlns:p14="http://schemas.microsoft.com/office/powerpoint/2010/main" val="637836773"/>
+      </p:ext>
+    </p:extLst>
+  </p:cSld>
+  <p:clrMapOvr>
+    <a:masterClrMapping/>
+  </p:clrMapOvr>
+</p:sld>
+</file>
+
+<file path=ppt/slides/slide5.xml><?xml version="1.0" encoding="utf-8"?>
+<p:sld xmlns:a="http://schemas.openxmlformats.org/drawingml/2006/main" xmlns:r="http://schemas.openxmlformats.org/officeDocument/2006/relationships" xmlns:p="http://schemas.openxmlformats.org/presentationml/2006/main">
+  <p:cSld>
+    <p:spTree>
+      <p:nvGrpSpPr>
+        <p:cNvPr id="1" name=""/>
+        <p:cNvGrpSpPr/>
+        <p:nvPr/>
+      </p:nvGrpSpPr>
+      <p:grpSpPr>
+        <a:xfrm>
+          <a:off x="0" y="0"/>
+          <a:ext cx="0" cy="0"/>
+          <a:chOff x="0" y="0"/>
+          <a:chExt cx="0" cy="0"/>
+        </a:xfrm>
+      </p:grpSpPr>
+      <p:sp>
+        <p:nvSpPr>
+          <p:cNvPr id="2" name="Date Placeholder 1">
+            <a:extLst>
+              <a:ext uri="{FF2B5EF4-FFF2-40B4-BE49-F238E27FC236}">
+                <a16:creationId xmlns:a16="http://schemas.microsoft.com/office/drawing/2014/main" id="{5837873B-5B24-A4DC-CE8F-8A475B7E403A}"/>
+              </a:ext>
+            </a:extLst>
+          </p:cNvPr>
+          <p:cNvSpPr>
+            <a:spLocks noGrp="1"/>
+          </p:cNvSpPr>
+          <p:nvPr>
+            <p:ph type="dt" sz="half" idx="10"/>
+          </p:nvPr>
+        </p:nvSpPr>
+        <p:spPr/>
+        <p:txBody>
+          <a:bodyPr/>
+          <a:lstStyle/>
+          <a:p>
+            <a:r>
+              <a:rPr lang="en-US"/>
+              <a:t>Fall 2023</a:t>
+            </a:r>
+          </a:p>
+        </p:txBody>
+      </p:sp>
+      <p:sp>
+        <p:nvSpPr>
+          <p:cNvPr id="3" name="Footer Placeholder 2">
+            <a:extLst>
+              <a:ext uri="{FF2B5EF4-FFF2-40B4-BE49-F238E27FC236}">
+                <a16:creationId xmlns:a16="http://schemas.microsoft.com/office/drawing/2014/main" id="{5F329111-5F54-B3AD-74AC-AE51A3EE4B79}"/>
+              </a:ext>
+            </a:extLst>
+          </p:cNvPr>
+          <p:cNvSpPr>
+            <a:spLocks noGrp="1"/>
+          </p:cNvSpPr>
+          <p:nvPr>
+            <p:ph type="ftr" sz="quarter" idx="11"/>
+          </p:nvPr>
+        </p:nvSpPr>
+        <p:spPr/>
+        <p:txBody>
+          <a:bodyPr/>
+          <a:lstStyle/>
+          <a:p>
+            <a:r>
+              <a:rPr lang="en-US"/>
+              <a:t>DEPARTMENT OF BUSINESS &amp; ECONOMICS</a:t>
+            </a:r>
+          </a:p>
+        </p:txBody>
+      </p:sp>
+      <p:sp>
+        <p:nvSpPr>
+          <p:cNvPr id="4" name="Slide Number Placeholder 3">
+            <a:extLst>
+              <a:ext uri="{FF2B5EF4-FFF2-40B4-BE49-F238E27FC236}">
+                <a16:creationId xmlns:a16="http://schemas.microsoft.com/office/drawing/2014/main" id="{B379BB4C-1152-0DFD-5B9A-7741C62CAC11}"/>
+              </a:ext>
+            </a:extLst>
+          </p:cNvPr>
+          <p:cNvSpPr>
+            <a:spLocks noGrp="1"/>
+          </p:cNvSpPr>
+          <p:nvPr>
+            <p:ph type="sldNum" sz="quarter" idx="12"/>
+          </p:nvPr>
+        </p:nvSpPr>
+        <p:spPr/>
+        <p:txBody>
+          <a:bodyPr/>
+          <a:lstStyle/>
+          <a:p>
+            <a:fld id="{1A980C56-831A-4EAB-9EDE-57C090F4F877}" type="slidenum">
+              <a:rPr lang="en-US" smtClean="0"/>
+              <a:t>5</a:t>
+            </a:fld>
+            <a:endParaRPr lang="en-US"/>
+          </a:p>
+        </p:txBody>
+      </p:sp>
+      <p:pic>
+        <p:nvPicPr>
+          <p:cNvPr id="6" name="Picture 5">
+            <a:extLst>
+              <a:ext uri="{FF2B5EF4-FFF2-40B4-BE49-F238E27FC236}">
+                <a16:creationId xmlns:a16="http://schemas.microsoft.com/office/drawing/2014/main" id="{F69CE346-2C6F-7C38-FC6C-E44FBFFDDCB7}"/>
+              </a:ext>
+            </a:extLst>
+          </p:cNvPr>
+          <p:cNvPicPr>
+            <a:picLocks/>
+          </p:cNvPicPr>
+          <p:nvPr>
+            <p:custDataLst>
+              <p:tags r:id="rId1"/>
+            </p:custDataLst>
+          </p:nvPr>
+        </p:nvPicPr>
+        <p:blipFill>
+          <a:blip r:embed="rId4">
+            <a:extLst>
+              <a:ext uri="{28A0092B-C50C-407E-A947-70E740481C1C}">
+                <a14:useLocalDpi xmlns:a14="http://schemas.microsoft.com/office/drawing/2010/main" val="0"/>
+              </a:ext>
+            </a:extLst>
+          </a:blip>
+          <a:stretch>
+            <a:fillRect/>
+          </a:stretch>
+        </p:blipFill>
+        <p:spPr>
+          <a:xfrm>
+            <a:off x="0" y="0"/>
+            <a:ext cx="9144000" cy="6858000"/>
+          </a:xfrm>
+          <a:prstGeom prst="rect">
+            <a:avLst/>
+          </a:prstGeom>
+        </p:spPr>
+      </p:pic>
+    </p:spTree>
+    <p:extLst>
+      <p:ext uri="{BB962C8B-B14F-4D97-AF65-F5344CB8AC3E}">
+        <p14:creationId xmlns:p14="http://schemas.microsoft.com/office/powerpoint/2010/main" val="3003151096"/>
+      </p:ext>
+    </p:extLst>
+  </p:cSld>
+  <p:clrMapOvr>
+    <a:masterClrMapping/>
+  </p:clrMapOvr>
+</p:sld>
+</file>
+
+<file path=ppt/slides/slide6.xml><?xml version="1.0" encoding="utf-8"?>
+<p:sld xmlns:a="http://schemas.openxmlformats.org/drawingml/2006/main" xmlns:r="http://schemas.openxmlformats.org/officeDocument/2006/relationships" xmlns:p="http://schemas.openxmlformats.org/presentationml/2006/main">
+  <p:cSld>
+    <p:spTree>
+      <p:nvGrpSpPr>
+        <p:cNvPr id="1" name=""/>
+        <p:cNvGrpSpPr/>
+        <p:nvPr/>
+      </p:nvGrpSpPr>
+      <p:grpSpPr>
+        <a:xfrm>
+          <a:off x="0" y="0"/>
+          <a:ext cx="0" cy="0"/>
+          <a:chOff x="0" y="0"/>
+          <a:chExt cx="0" cy="0"/>
+        </a:xfrm>
+      </p:grpSpPr>
+      <p:sp>
+        <p:nvSpPr>
+          <p:cNvPr id="2" name="Title 1">
+            <a:extLst>
+              <a:ext uri="{FF2B5EF4-FFF2-40B4-BE49-F238E27FC236}">
+                <a16:creationId xmlns:a16="http://schemas.microsoft.com/office/drawing/2014/main" id="{776B09A4-5BC9-4EA8-C267-D3B26A49D07E}"/>
+              </a:ext>
+            </a:extLst>
+          </p:cNvPr>
+          <p:cNvSpPr>
+            <a:spLocks noGrp="1"/>
+          </p:cNvSpPr>
+          <p:nvPr>
+            <p:ph type="title"/>
+          </p:nvPr>
+        </p:nvSpPr>
+        <p:spPr/>
+        <p:txBody>
+          <a:bodyPr>
+            <a:normAutofit/>
+          </a:bodyPr>
+          <a:lstStyle/>
+          <a:p>
+            <a:r>
+              <a:rPr lang="en-US" sz="3200" dirty="0"/>
+              <a:t>What is Intermediate Price Theory?</a:t>
+            </a:r>
+          </a:p>
+        </p:txBody>
+      </p:sp>
+      <p:sp>
+        <p:nvSpPr>
+          <p:cNvPr id="3" name="Content Placeholder 2">
+            <a:extLst>
+              <a:ext uri="{FF2B5EF4-FFF2-40B4-BE49-F238E27FC236}">
+                <a16:creationId xmlns:a16="http://schemas.microsoft.com/office/drawing/2014/main" id="{97FEFFAF-3949-E82D-4583-E06DA22E7204}"/>
+              </a:ext>
+            </a:extLst>
+          </p:cNvPr>
+          <p:cNvSpPr>
+            <a:spLocks noGrp="1"/>
+          </p:cNvSpPr>
+          <p:nvPr>
+            <p:ph idx="1"/>
+          </p:nvPr>
+        </p:nvSpPr>
+        <p:spPr/>
+        <p:txBody>
+          <a:bodyPr>
+            <a:normAutofit/>
+          </a:bodyPr>
+          <a:lstStyle/>
+          <a:p>
+            <a:r>
+              <a:rPr lang="en-US" dirty="0"/>
+              <a:t>Typically called </a:t>
+            </a:r>
+            <a:r>
+              <a:rPr lang="en-US" b="1" dirty="0"/>
+              <a:t>“Intermediate Microeconomic Theory”</a:t>
+            </a:r>
+          </a:p>
+          <a:p>
+            <a:endParaRPr lang="en-US" sz="1200" dirty="0"/>
+          </a:p>
+          <a:p>
+            <a:r>
+              <a:rPr lang="en-US" dirty="0"/>
+              <a:t>JEL Classification under “Microeconomics”</a:t>
+            </a:r>
+          </a:p>
+          <a:p>
+            <a:pPr lvl="1"/>
+            <a:r>
+              <a:rPr lang="en-US" dirty="0"/>
+              <a:t>Household Behavior and Family Economics</a:t>
+            </a:r>
+          </a:p>
+          <a:p>
+            <a:pPr lvl="1"/>
+            <a:r>
+              <a:rPr lang="en-US" dirty="0"/>
+              <a:t>Production and Organizations</a:t>
+            </a:r>
+          </a:p>
+          <a:p>
+            <a:pPr lvl="1"/>
+            <a:r>
+              <a:rPr lang="en-US" dirty="0"/>
+              <a:t>Distribution</a:t>
+            </a:r>
+          </a:p>
+          <a:p>
+            <a:pPr lvl="1"/>
+            <a:r>
+              <a:rPr lang="en-US" dirty="0"/>
+              <a:t>Market Structure, Pricing, and Design</a:t>
+            </a:r>
+          </a:p>
+          <a:p>
+            <a:pPr lvl="1"/>
+            <a:r>
+              <a:rPr lang="en-US" dirty="0"/>
+              <a:t>General Equilibrium and Disequilibrium</a:t>
+            </a:r>
+          </a:p>
+          <a:p>
+            <a:pPr lvl="1"/>
+            <a:r>
+              <a:rPr lang="en-US" dirty="0"/>
+              <a:t>Welfare Economics</a:t>
+            </a:r>
+          </a:p>
+          <a:p>
+            <a:pPr lvl="1"/>
+            <a:r>
+              <a:rPr lang="en-US" dirty="0"/>
+              <a:t>Analysis of Collective Decision-Making</a:t>
+            </a:r>
+          </a:p>
+          <a:p>
+            <a:pPr lvl="1"/>
+            <a:r>
+              <a:rPr lang="en-US" dirty="0"/>
+              <a:t>Information, Knowledge, and Uncertainty</a:t>
+            </a:r>
+          </a:p>
+          <a:p>
+            <a:pPr lvl="1"/>
+            <a:r>
+              <a:rPr lang="en-US" dirty="0"/>
+              <a:t>Micro-Based Behavioral Economics</a:t>
+            </a:r>
+          </a:p>
+        </p:txBody>
+      </p:sp>
+      <p:sp>
+        <p:nvSpPr>
+          <p:cNvPr id="4" name="Date Placeholder 3">
+            <a:extLst>
+              <a:ext uri="{FF2B5EF4-FFF2-40B4-BE49-F238E27FC236}">
+                <a16:creationId xmlns:a16="http://schemas.microsoft.com/office/drawing/2014/main" id="{CE725A02-EA7A-7321-8B8B-168BF05EA587}"/>
+              </a:ext>
+            </a:extLst>
+          </p:cNvPr>
+          <p:cNvSpPr>
+            <a:spLocks noGrp="1"/>
+          </p:cNvSpPr>
+          <p:nvPr>
+            <p:ph type="dt" sz="half" idx="10"/>
+          </p:nvPr>
+        </p:nvSpPr>
+        <p:spPr/>
+        <p:txBody>
+          <a:bodyPr/>
+          <a:lstStyle/>
+          <a:p>
+            <a:r>
+              <a:rPr lang="en-US"/>
+              <a:t>Fall 2023</a:t>
+            </a:r>
+          </a:p>
+        </p:txBody>
+      </p:sp>
+      <p:sp>
+        <p:nvSpPr>
+          <p:cNvPr id="5" name="Footer Placeholder 4">
+            <a:extLst>
+              <a:ext uri="{FF2B5EF4-FFF2-40B4-BE49-F238E27FC236}">
+                <a16:creationId xmlns:a16="http://schemas.microsoft.com/office/drawing/2014/main" id="{024C4429-8EF0-A6CF-DF65-1DD6365F71D2}"/>
+              </a:ext>
+            </a:extLst>
+          </p:cNvPr>
+          <p:cNvSpPr>
+            <a:spLocks noGrp="1"/>
+          </p:cNvSpPr>
+          <p:nvPr>
+            <p:ph type="ftr" sz="quarter" idx="11"/>
+          </p:nvPr>
+        </p:nvSpPr>
+        <p:spPr/>
+        <p:txBody>
+          <a:bodyPr/>
+          <a:lstStyle/>
+          <a:p>
+            <a:r>
+              <a:rPr lang="en-US"/>
+              <a:t>DEPARTMENT OF BUSINESS &amp; ECONOMICS</a:t>
+            </a:r>
+          </a:p>
+        </p:txBody>
+      </p:sp>
+      <p:sp>
+        <p:nvSpPr>
+          <p:cNvPr id="6" name="Slide Number Placeholder 5">
+            <a:extLst>
+              <a:ext uri="{FF2B5EF4-FFF2-40B4-BE49-F238E27FC236}">
+                <a16:creationId xmlns:a16="http://schemas.microsoft.com/office/drawing/2014/main" id="{E35CE67F-4580-2DF1-52D2-80C99C5F60C8}"/>
+              </a:ext>
+            </a:extLst>
+          </p:cNvPr>
+          <p:cNvSpPr>
+            <a:spLocks noGrp="1"/>
+          </p:cNvSpPr>
+          <p:nvPr>
+            <p:ph type="sldNum" sz="quarter" idx="12"/>
+          </p:nvPr>
+        </p:nvSpPr>
+        <p:spPr/>
+        <p:txBody>
+          <a:bodyPr/>
+          <a:lstStyle/>
+          <a:p>
+            <a:fld id="{1A980C56-831A-4EAB-9EDE-57C090F4F877}" type="slidenum">
+              <a:rPr lang="en-US" smtClean="0"/>
+              <a:t>6</a:t>
+            </a:fld>
+            <a:endParaRPr lang="en-US"/>
+          </a:p>
+        </p:txBody>
+      </p:sp>
+    </p:spTree>
+    <p:extLst>
+      <p:ext uri="{BB962C8B-B14F-4D97-AF65-F5344CB8AC3E}">
+        <p14:creationId xmlns:p14="http://schemas.microsoft.com/office/powerpoint/2010/main" val="3059287737"/>
+      </p:ext>
+    </p:extLst>
+  </p:cSld>
+  <p:clrMapOvr>
+    <a:masterClrMapping/>
+  </p:clrMapOvr>
+</p:sld>
+</file>
+
 <file path=ppt/slides/slide7.xml><?xml version="1.0" encoding="utf-8"?>
 <p:sld xmlns:a="http://schemas.openxmlformats.org/drawingml/2006/main" xmlns:r="http://schemas.openxmlformats.org/officeDocument/2006/relationships" xmlns:p="http://schemas.openxmlformats.org/presentationml/2006/main">
   <p:cSld>
@@ -10332,10 +10598,150 @@
       </p:grpSpPr>
       <p:sp>
         <p:nvSpPr>
-          <p:cNvPr id="2" name="Date Placeholder 1">
-            <a:extLst>
-              <a:ext uri="{FF2B5EF4-FFF2-40B4-BE49-F238E27FC236}">
-                <a16:creationId xmlns:a16="http://schemas.microsoft.com/office/drawing/2014/main" id="{C4F704AB-C2D1-310B-CFE5-331F92EE2605}"/>
+          <p:cNvPr id="2" name="Title 1">
+            <a:extLst>
+              <a:ext uri="{FF2B5EF4-FFF2-40B4-BE49-F238E27FC236}">
+                <a16:creationId xmlns:a16="http://schemas.microsoft.com/office/drawing/2014/main" id="{776B09A4-5BC9-4EA8-C267-D3B26A49D07E}"/>
+              </a:ext>
+            </a:extLst>
+          </p:cNvPr>
+          <p:cNvSpPr>
+            <a:spLocks noGrp="1"/>
+          </p:cNvSpPr>
+          <p:nvPr>
+            <p:ph type="title"/>
+          </p:nvPr>
+        </p:nvSpPr>
+        <p:spPr/>
+        <p:txBody>
+          <a:bodyPr>
+            <a:normAutofit/>
+          </a:bodyPr>
+          <a:lstStyle/>
+          <a:p>
+            <a:r>
+              <a:rPr lang="en-US" sz="3200" dirty="0"/>
+              <a:t>What is Intermediate Price Theory?</a:t>
+            </a:r>
+          </a:p>
+        </p:txBody>
+      </p:sp>
+      <p:sp>
+        <p:nvSpPr>
+          <p:cNvPr id="3" name="Content Placeholder 2">
+            <a:extLst>
+              <a:ext uri="{FF2B5EF4-FFF2-40B4-BE49-F238E27FC236}">
+                <a16:creationId xmlns:a16="http://schemas.microsoft.com/office/drawing/2014/main" id="{97FEFFAF-3949-E82D-4583-E06DA22E7204}"/>
+              </a:ext>
+            </a:extLst>
+          </p:cNvPr>
+          <p:cNvSpPr>
+            <a:spLocks noGrp="1"/>
+          </p:cNvSpPr>
+          <p:nvPr>
+            <p:ph idx="1"/>
+          </p:nvPr>
+        </p:nvSpPr>
+        <p:spPr/>
+        <p:txBody>
+          <a:bodyPr>
+            <a:normAutofit/>
+          </a:bodyPr>
+          <a:lstStyle/>
+          <a:p>
+            <a:r>
+              <a:rPr lang="en-US" dirty="0"/>
+              <a:t>In this course we cover the following topics:</a:t>
+            </a:r>
+          </a:p>
+          <a:p>
+            <a:endParaRPr lang="en-US" sz="1200" dirty="0"/>
+          </a:p>
+          <a:p>
+            <a:r>
+              <a:rPr lang="en-US" dirty="0"/>
+              <a:t>How </a:t>
+            </a:r>
+            <a:r>
+              <a:rPr lang="en-US" b="1" dirty="0"/>
+              <a:t>individuals</a:t>
+            </a:r>
+            <a:r>
+              <a:rPr lang="en-US" dirty="0"/>
+              <a:t> make decisions</a:t>
+            </a:r>
+          </a:p>
+          <a:p>
+            <a:pPr lvl="1"/>
+            <a:r>
+              <a:rPr lang="en-US" dirty="0"/>
+              <a:t>How would an agent make consumption choices?</a:t>
+            </a:r>
+          </a:p>
+          <a:p>
+            <a:pPr lvl="1"/>
+            <a:r>
+              <a:rPr lang="en-US" dirty="0"/>
+              <a:t>How would agents make production decisions?</a:t>
+            </a:r>
+          </a:p>
+          <a:p>
+            <a:pPr lvl="1"/>
+            <a:endParaRPr lang="en-US" sz="1200" dirty="0"/>
+          </a:p>
+          <a:p>
+            <a:r>
+              <a:rPr lang="en-US" dirty="0"/>
+              <a:t>How these individual decisions </a:t>
+            </a:r>
+            <a:r>
+              <a:rPr lang="en-US" b="1" dirty="0"/>
+              <a:t>interact</a:t>
+            </a:r>
+          </a:p>
+          <a:p>
+            <a:pPr lvl="1"/>
+            <a:r>
+              <a:rPr lang="en-US" dirty="0"/>
+              <a:t>What is a market equilibrium?</a:t>
+            </a:r>
+          </a:p>
+          <a:p>
+            <a:pPr lvl="1"/>
+            <a:r>
+              <a:rPr lang="en-US" dirty="0"/>
+              <a:t>Who wins, and who loses?</a:t>
+            </a:r>
+          </a:p>
+          <a:p>
+            <a:pPr lvl="1"/>
+            <a:r>
+              <a:rPr lang="en-US" dirty="0"/>
+              <a:t>How would the government fit in this framework?</a:t>
+            </a:r>
+          </a:p>
+          <a:p>
+            <a:pPr lvl="1"/>
+            <a:endParaRPr lang="en-US" sz="1200" dirty="0"/>
+          </a:p>
+          <a:p>
+            <a:r>
+              <a:rPr lang="en-US" dirty="0"/>
+              <a:t>What happens </a:t>
+            </a:r>
+            <a:r>
+              <a:rPr lang="en-US" b="1" dirty="0"/>
+              <a:t>when assumptions fail</a:t>
+            </a:r>
+          </a:p>
+        </p:txBody>
+      </p:sp>
+      <p:sp>
+        <p:nvSpPr>
+          <p:cNvPr id="4" name="Date Placeholder 3">
+            <a:extLst>
+              <a:ext uri="{FF2B5EF4-FFF2-40B4-BE49-F238E27FC236}">
+                <a16:creationId xmlns:a16="http://schemas.microsoft.com/office/drawing/2014/main" id="{CE725A02-EA7A-7321-8B8B-168BF05EA587}"/>
               </a:ext>
             </a:extLst>
           </p:cNvPr>
@@ -10360,10 +10766,10 @@
       </p:sp>
       <p:sp>
         <p:nvSpPr>
-          <p:cNvPr id="3" name="Footer Placeholder 2">
-            <a:extLst>
-              <a:ext uri="{FF2B5EF4-FFF2-40B4-BE49-F238E27FC236}">
-                <a16:creationId xmlns:a16="http://schemas.microsoft.com/office/drawing/2014/main" id="{AAFC89D6-CCD0-BB91-C79B-57C57B448563}"/>
+          <p:cNvPr id="5" name="Footer Placeholder 4">
+            <a:extLst>
+              <a:ext uri="{FF2B5EF4-FFF2-40B4-BE49-F238E27FC236}">
+                <a16:creationId xmlns:a16="http://schemas.microsoft.com/office/drawing/2014/main" id="{024C4429-8EF0-A6CF-DF65-1DD6365F71D2}"/>
               </a:ext>
             </a:extLst>
           </p:cNvPr>
@@ -10388,10 +10794,10 @@
       </p:sp>
       <p:sp>
         <p:nvSpPr>
-          <p:cNvPr id="4" name="Slide Number Placeholder 3">
-            <a:extLst>
-              <a:ext uri="{FF2B5EF4-FFF2-40B4-BE49-F238E27FC236}">
-                <a16:creationId xmlns:a16="http://schemas.microsoft.com/office/drawing/2014/main" id="{3C209CC5-127A-C390-8320-AB198666C0F5}"/>
+          <p:cNvPr id="6" name="Slide Number Placeholder 5">
+            <a:extLst>
+              <a:ext uri="{FF2B5EF4-FFF2-40B4-BE49-F238E27FC236}">
+                <a16:creationId xmlns:a16="http://schemas.microsoft.com/office/drawing/2014/main" id="{E35CE67F-4580-2DF1-52D2-80C99C5F60C8}"/>
               </a:ext>
             </a:extLst>
           </p:cNvPr>
@@ -10415,50 +10821,10 @@
           </a:p>
         </p:txBody>
       </p:sp>
-      <p:pic>
-        <p:nvPicPr>
-          <p:cNvPr id="6" name="Picture 5">
-            <a:extLst>
-              <a:ext uri="{FF2B5EF4-FFF2-40B4-BE49-F238E27FC236}">
-                <a16:creationId xmlns:a16="http://schemas.microsoft.com/office/drawing/2014/main" id="{E4A29853-34A3-3FA5-EFD6-D72C12A8B75D}"/>
-              </a:ext>
-            </a:extLst>
-          </p:cNvPr>
-          <p:cNvPicPr>
-            <a:picLocks/>
-          </p:cNvPicPr>
-          <p:nvPr>
-            <p:custDataLst>
-              <p:tags r:id="rId1"/>
-            </p:custDataLst>
-          </p:nvPr>
-        </p:nvPicPr>
-        <p:blipFill>
-          <a:blip r:embed="rId4">
-            <a:extLst>
-              <a:ext uri="{28A0092B-C50C-407E-A947-70E740481C1C}">
-                <a14:useLocalDpi xmlns:a14="http://schemas.microsoft.com/office/drawing/2010/main" val="0"/>
-              </a:ext>
-            </a:extLst>
-          </a:blip>
-          <a:stretch>
-            <a:fillRect/>
-          </a:stretch>
-        </p:blipFill>
-        <p:spPr>
-          <a:xfrm>
-            <a:off x="974785" y="770189"/>
-            <a:ext cx="7194430" cy="5317622"/>
-          </a:xfrm>
-          <a:prstGeom prst="rect">
-            <a:avLst/>
-          </a:prstGeom>
-        </p:spPr>
-      </p:pic>
     </p:spTree>
     <p:extLst>
       <p:ext uri="{BB962C8B-B14F-4D97-AF65-F5344CB8AC3E}">
-        <p14:creationId xmlns:p14="http://schemas.microsoft.com/office/powerpoint/2010/main" val="3024176829"/>
+        <p14:creationId xmlns:p14="http://schemas.microsoft.com/office/powerpoint/2010/main" val="566551671"/>
       </p:ext>
     </p:extLst>
   </p:cSld>
@@ -10508,7 +10874,7 @@
           <a:p>
             <a:r>
               <a:rPr lang="en-US" dirty="0"/>
-              <a:t>Contact Information</a:t>
+              <a:t>About Me</a:t>
             </a:r>
           </a:p>
         </p:txBody>
@@ -10532,99 +10898,73 @@
         <p:spPr/>
         <p:txBody>
           <a:bodyPr>
-            <a:normAutofit fontScale="92500" lnSpcReduction="10000"/>
+            <a:normAutofit/>
           </a:bodyPr>
           <a:lstStyle/>
           <a:p>
             <a:r>
               <a:rPr lang="en-US" dirty="0"/>
-              <a:t>Email: BPARK@monmouthcollege.edu</a:t>
+              <a:t>Ph.D. Cornell University</a:t>
             </a:r>
           </a:p>
           <a:p>
             <a:pPr lvl="1"/>
+            <a:endParaRPr lang="en-US" sz="800" dirty="0"/>
+          </a:p>
+          <a:p>
             <a:r>
               <a:rPr lang="en-US" dirty="0"/>
-              <a:t>Please include “ECON300” in the subject line.</a:t>
+              <a:t>B.A. Korea University</a:t>
             </a:r>
           </a:p>
           <a:p>
             <a:pPr lvl="1"/>
+            <a:endParaRPr lang="en-US" sz="800" dirty="0"/>
+          </a:p>
+          <a:p>
             <a:r>
               <a:rPr lang="en-US" dirty="0"/>
-              <a:t>Target response within 1 business day.</a:t>
+              <a:t>Research Interests</a:t>
             </a:r>
           </a:p>
           <a:p>
             <a:pPr lvl="1"/>
-            <a:endParaRPr lang="en-US" sz="1300" dirty="0"/>
-          </a:p>
-          <a:p>
             <a:r>
               <a:rPr lang="en-US" dirty="0"/>
-              <a:t>Office: CSB 248</a:t>
+              <a:t>Environmental: Climate Change, Air Pollution</a:t>
             </a:r>
           </a:p>
           <a:p>
             <a:pPr lvl="1"/>
-            <a:endParaRPr lang="en-US" sz="1300" dirty="0"/>
-          </a:p>
-          <a:p>
             <a:r>
               <a:rPr lang="en-US" dirty="0"/>
-              <a:t>Regular Office Hours: Tue/Thu 10:30 AM ~ 12:00 PM</a:t>
+              <a:t>Demographic: Migration, Fertility</a:t>
             </a:r>
           </a:p>
           <a:p>
             <a:pPr lvl="1"/>
-            <a:endParaRPr lang="en-US" sz="1300" dirty="0"/>
-          </a:p>
-          <a:p>
             <a:r>
               <a:rPr lang="en-US" dirty="0"/>
-              <a:t>Individual (or Group) Appointments via Calendly.</a:t>
-            </a:r>
+              <a:t>Labor: Employment Stability</a:t>
+            </a:r>
+            <a:endParaRPr lang="en-US" sz="800" dirty="0"/>
           </a:p>
           <a:p>
             <a:pPr lvl="1"/>
-            <a:r>
-              <a:rPr lang="en-US" dirty="0">
-                <a:hlinkClick r:id="rId2"/>
-              </a:rPr>
-              <a:t>https://calendly.com/brianhwpark</a:t>
-            </a:r>
-            <a:endParaRPr lang="en-US" dirty="0"/>
-          </a:p>
-          <a:p>
-            <a:pPr lvl="1"/>
+            <a:endParaRPr lang="en-US" sz="800" dirty="0"/>
+          </a:p>
+          <a:p>
             <a:r>
               <a:rPr lang="en-US" dirty="0"/>
-              <a:t>Book on-demand office hours in 30-minute increments</a:t>
-            </a:r>
-          </a:p>
-          <a:p>
-            <a:pPr lvl="1"/>
+              <a:t>1</a:t>
+            </a:r>
+            <a:r>
+              <a:rPr lang="en-US" baseline="30000" dirty="0"/>
+              <a:t>st</a:t>
+            </a:r>
             <a:r>
               <a:rPr lang="en-US" dirty="0"/>
-              <a:t>Calendar opens 15 days in advance</a:t>
-            </a:r>
-          </a:p>
-          <a:p>
-            <a:pPr lvl="1"/>
-            <a:endParaRPr lang="en-US" sz="1300" dirty="0"/>
-          </a:p>
-          <a:p>
-            <a:r>
-              <a:rPr lang="en-US" dirty="0"/>
-              <a:t>Send me an email if you need </a:t>
-            </a:r>
-            <a:r>
-              <a:rPr lang="en-US" b="1" dirty="0"/>
-              <a:t>anything</a:t>
-            </a:r>
-            <a:r>
-              <a:rPr lang="en-US" dirty="0"/>
-              <a:t> else</a:t>
+              <a:t> Year at Monmouth College</a:t>
             </a:r>
           </a:p>
         </p:txBody>
@@ -10717,7 +11057,7 @@
     </p:spTree>
     <p:extLst>
       <p:ext uri="{BB962C8B-B14F-4D97-AF65-F5344CB8AC3E}">
-        <p14:creationId xmlns:p14="http://schemas.microsoft.com/office/powerpoint/2010/main" val="1142850086"/>
+        <p14:creationId xmlns:p14="http://schemas.microsoft.com/office/powerpoint/2010/main" val="4091535570"/>
       </p:ext>
     </p:extLst>
   </p:cSld>
@@ -10774,6 +11114,122 @@
       </p:sp>
       <p:sp>
         <p:nvSpPr>
+          <p:cNvPr id="3" name="Content Placeholder 2">
+            <a:extLst>
+              <a:ext uri="{FF2B5EF4-FFF2-40B4-BE49-F238E27FC236}">
+                <a16:creationId xmlns:a16="http://schemas.microsoft.com/office/drawing/2014/main" id="{97FEFFAF-3949-E82D-4583-E06DA22E7204}"/>
+              </a:ext>
+            </a:extLst>
+          </p:cNvPr>
+          <p:cNvSpPr>
+            <a:spLocks noGrp="1"/>
+          </p:cNvSpPr>
+          <p:nvPr>
+            <p:ph idx="1"/>
+          </p:nvPr>
+        </p:nvSpPr>
+        <p:spPr/>
+        <p:txBody>
+          <a:bodyPr>
+            <a:normAutofit fontScale="92500" lnSpcReduction="10000"/>
+          </a:bodyPr>
+          <a:lstStyle/>
+          <a:p>
+            <a:r>
+              <a:rPr lang="en-US" dirty="0"/>
+              <a:t>Email: BPARK@monmouthcollege.edu</a:t>
+            </a:r>
+          </a:p>
+          <a:p>
+            <a:pPr lvl="1"/>
+            <a:r>
+              <a:rPr lang="en-US" dirty="0"/>
+              <a:t>Please include “ECON300” in the subject line.</a:t>
+            </a:r>
+          </a:p>
+          <a:p>
+            <a:pPr lvl="1"/>
+            <a:r>
+              <a:rPr lang="en-US" dirty="0"/>
+              <a:t>Target response within 1 business day.</a:t>
+            </a:r>
+          </a:p>
+          <a:p>
+            <a:pPr lvl="1"/>
+            <a:endParaRPr lang="en-US" sz="1300" dirty="0"/>
+          </a:p>
+          <a:p>
+            <a:r>
+              <a:rPr lang="en-US" dirty="0"/>
+              <a:t>Office: CSB 248</a:t>
+            </a:r>
+          </a:p>
+          <a:p>
+            <a:pPr lvl="1"/>
+            <a:endParaRPr lang="en-US" sz="1300" dirty="0"/>
+          </a:p>
+          <a:p>
+            <a:r>
+              <a:rPr lang="en-US" dirty="0"/>
+              <a:t>Regular Office Hours: Tue/Thu 10:30 AM ~ 12:00 PM</a:t>
+            </a:r>
+          </a:p>
+          <a:p>
+            <a:pPr lvl="1"/>
+            <a:endParaRPr lang="en-US" sz="1300" dirty="0"/>
+          </a:p>
+          <a:p>
+            <a:r>
+              <a:rPr lang="en-US" dirty="0"/>
+              <a:t>Individual (or Group) Appointments via Calendly.</a:t>
+            </a:r>
+          </a:p>
+          <a:p>
+            <a:pPr lvl="1"/>
+            <a:r>
+              <a:rPr lang="en-US" dirty="0">
+                <a:hlinkClick r:id="rId2"/>
+              </a:rPr>
+              <a:t>https://calendly.com/brianhwpark</a:t>
+            </a:r>
+            <a:endParaRPr lang="en-US" dirty="0"/>
+          </a:p>
+          <a:p>
+            <a:pPr lvl="1"/>
+            <a:r>
+              <a:rPr lang="en-US" dirty="0"/>
+              <a:t>Book on-demand office hours in 30-minute increments</a:t>
+            </a:r>
+          </a:p>
+          <a:p>
+            <a:pPr lvl="1"/>
+            <a:r>
+              <a:rPr lang="en-US" dirty="0"/>
+              <a:t>Calendar opens 15 days in advance</a:t>
+            </a:r>
+          </a:p>
+          <a:p>
+            <a:pPr lvl="1"/>
+            <a:endParaRPr lang="en-US" sz="1300" dirty="0"/>
+          </a:p>
+          <a:p>
+            <a:r>
+              <a:rPr lang="en-US" dirty="0"/>
+              <a:t>Send me an email if you need </a:t>
+            </a:r>
+            <a:r>
+              <a:rPr lang="en-US" b="1" dirty="0"/>
+              <a:t>anything</a:t>
+            </a:r>
+            <a:r>
+              <a:rPr lang="en-US" dirty="0"/>
+              <a:t> else</a:t>
+            </a:r>
+          </a:p>
+        </p:txBody>
+      </p:sp>
+      <p:sp>
+        <p:nvSpPr>
           <p:cNvPr id="4" name="Date Placeholder 3">
             <a:extLst>
               <a:ext uri="{FF2B5EF4-FFF2-40B4-BE49-F238E27FC236}">
@@ -10857,260 +11313,34 @@
           </a:p>
         </p:txBody>
       </p:sp>
-      <p:pic>
-        <p:nvPicPr>
-          <p:cNvPr id="10" name="Picture 9">
-            <a:extLst>
-              <a:ext uri="{FF2B5EF4-FFF2-40B4-BE49-F238E27FC236}">
-                <a16:creationId xmlns:a16="http://schemas.microsoft.com/office/drawing/2014/main" id="{906E5FC0-DE08-E9E6-B4BF-E9ACC69683BD}"/>
-              </a:ext>
-            </a:extLst>
-          </p:cNvPr>
-          <p:cNvPicPr>
-            <a:picLocks noChangeAspect="1"/>
-          </p:cNvPicPr>
-          <p:nvPr/>
-        </p:nvPicPr>
-        <p:blipFill>
-          <a:blip r:embed="rId2"/>
-          <a:stretch>
-            <a:fillRect/>
-          </a:stretch>
-        </p:blipFill>
-        <p:spPr>
-          <a:xfrm>
-            <a:off x="628650" y="1546629"/>
-            <a:ext cx="7886700" cy="4604476"/>
-          </a:xfrm>
-          <a:prstGeom prst="rect">
-            <a:avLst/>
-          </a:prstGeom>
-        </p:spPr>
-      </p:pic>
-      <p:pic>
-        <p:nvPicPr>
-          <p:cNvPr id="14" name="Picture 13">
-            <a:extLst>
-              <a:ext uri="{FF2B5EF4-FFF2-40B4-BE49-F238E27FC236}">
-                <a16:creationId xmlns:a16="http://schemas.microsoft.com/office/drawing/2014/main" id="{1ECCA483-206B-8314-FE82-825A73EB100E}"/>
-              </a:ext>
-            </a:extLst>
-          </p:cNvPr>
-          <p:cNvPicPr>
-            <a:picLocks noChangeAspect="1"/>
-          </p:cNvPicPr>
-          <p:nvPr/>
-        </p:nvPicPr>
-        <p:blipFill>
-          <a:blip r:embed="rId3"/>
-          <a:stretch>
-            <a:fillRect/>
-          </a:stretch>
-        </p:blipFill>
-        <p:spPr>
-          <a:xfrm>
-            <a:off x="628650" y="1546629"/>
-            <a:ext cx="7886700" cy="4578618"/>
-          </a:xfrm>
-          <a:prstGeom prst="rect">
-            <a:avLst/>
-          </a:prstGeom>
-        </p:spPr>
-      </p:pic>
-      <p:pic>
-        <p:nvPicPr>
-          <p:cNvPr id="16" name="Picture 15">
-            <a:extLst>
-              <a:ext uri="{FF2B5EF4-FFF2-40B4-BE49-F238E27FC236}">
-                <a16:creationId xmlns:a16="http://schemas.microsoft.com/office/drawing/2014/main" id="{35131B10-4363-7B01-92D5-A97CFD1938D1}"/>
-              </a:ext>
-            </a:extLst>
-          </p:cNvPr>
-          <p:cNvPicPr>
-            <a:picLocks noChangeAspect="1"/>
-          </p:cNvPicPr>
-          <p:nvPr/>
-        </p:nvPicPr>
-        <p:blipFill>
-          <a:blip r:embed="rId4"/>
-          <a:stretch>
-            <a:fillRect/>
-          </a:stretch>
-        </p:blipFill>
-        <p:spPr>
-          <a:xfrm>
-            <a:off x="628650" y="1538841"/>
-            <a:ext cx="7886700" cy="4594194"/>
-          </a:xfrm>
-          <a:prstGeom prst="rect">
-            <a:avLst/>
-          </a:prstGeom>
-        </p:spPr>
-      </p:pic>
     </p:spTree>
     <p:extLst>
       <p:ext uri="{BB962C8B-B14F-4D97-AF65-F5344CB8AC3E}">
-        <p14:creationId xmlns:p14="http://schemas.microsoft.com/office/powerpoint/2010/main" val="2073326842"/>
+        <p14:creationId xmlns:p14="http://schemas.microsoft.com/office/powerpoint/2010/main" val="1142850086"/>
       </p:ext>
     </p:extLst>
   </p:cSld>
   <p:clrMapOvr>
     <a:masterClrMapping/>
   </p:clrMapOvr>
-  <p:timing>
-    <p:tnLst>
-      <p:par>
-        <p:cTn id="1" dur="indefinite" restart="never" nodeType="tmRoot">
-          <p:childTnLst>
-            <p:seq concurrent="1" nextAc="seek">
-              <p:cTn id="2" dur="indefinite" nodeType="mainSeq">
-                <p:childTnLst>
-                  <p:par>
-                    <p:cTn id="3" fill="hold">
-                      <p:stCondLst>
-                        <p:cond delay="indefinite"/>
-                      </p:stCondLst>
-                      <p:childTnLst>
-                        <p:par>
-                          <p:cTn id="4" fill="hold">
-                            <p:stCondLst>
-                              <p:cond delay="0"/>
-                            </p:stCondLst>
-                            <p:childTnLst>
-                              <p:par>
-                                <p:cTn id="5" presetID="10" presetClass="entr" presetSubtype="0" fill="hold" nodeType="clickEffect">
-                                  <p:stCondLst>
-                                    <p:cond delay="0"/>
-                                  </p:stCondLst>
-                                  <p:childTnLst>
-                                    <p:set>
-                                      <p:cBhvr>
-                                        <p:cTn id="6" dur="1" fill="hold">
-                                          <p:stCondLst>
-                                            <p:cond delay="0"/>
-                                          </p:stCondLst>
-                                        </p:cTn>
-                                        <p:tgtEl>
-                                          <p:spTgt spid="14"/>
-                                        </p:tgtEl>
-                                        <p:attrNameLst>
-                                          <p:attrName>style.visibility</p:attrName>
-                                        </p:attrNameLst>
-                                      </p:cBhvr>
-                                      <p:to>
-                                        <p:strVal val="visible"/>
-                                      </p:to>
-                                    </p:set>
-                                    <p:animEffect transition="in" filter="fade">
-                                      <p:cBhvr>
-                                        <p:cTn id="7" dur="500"/>
-                                        <p:tgtEl>
-                                          <p:spTgt spid="14"/>
-                                        </p:tgtEl>
-                                      </p:cBhvr>
-                                    </p:animEffect>
-                                  </p:childTnLst>
-                                </p:cTn>
-                              </p:par>
-                            </p:childTnLst>
-                          </p:cTn>
-                        </p:par>
-                      </p:childTnLst>
-                    </p:cTn>
-                  </p:par>
-                  <p:par>
-                    <p:cTn id="8" fill="hold">
-                      <p:stCondLst>
-                        <p:cond delay="indefinite"/>
-                      </p:stCondLst>
-                      <p:childTnLst>
-                        <p:par>
-                          <p:cTn id="9" fill="hold">
-                            <p:stCondLst>
-                              <p:cond delay="0"/>
-                            </p:stCondLst>
-                            <p:childTnLst>
-                              <p:par>
-                                <p:cTn id="10" presetID="10" presetClass="entr" presetSubtype="0" fill="hold" nodeType="clickEffect">
-                                  <p:stCondLst>
-                                    <p:cond delay="0"/>
-                                  </p:stCondLst>
-                                  <p:childTnLst>
-                                    <p:set>
-                                      <p:cBhvr>
-                                        <p:cTn id="11" dur="1" fill="hold">
-                                          <p:stCondLst>
-                                            <p:cond delay="0"/>
-                                          </p:stCondLst>
-                                        </p:cTn>
-                                        <p:tgtEl>
-                                          <p:spTgt spid="16"/>
-                                        </p:tgtEl>
-                                        <p:attrNameLst>
-                                          <p:attrName>style.visibility</p:attrName>
-                                        </p:attrNameLst>
-                                      </p:cBhvr>
-                                      <p:to>
-                                        <p:strVal val="visible"/>
-                                      </p:to>
-                                    </p:set>
-                                    <p:animEffect transition="in" filter="fade">
-                                      <p:cBhvr>
-                                        <p:cTn id="12" dur="500"/>
-                                        <p:tgtEl>
-                                          <p:spTgt spid="16"/>
-                                        </p:tgtEl>
-                                      </p:cBhvr>
-                                    </p:animEffect>
-                                  </p:childTnLst>
-                                </p:cTn>
-                              </p:par>
-                            </p:childTnLst>
-                          </p:cTn>
-                        </p:par>
-                      </p:childTnLst>
-                    </p:cTn>
-                  </p:par>
-                </p:childTnLst>
-              </p:cTn>
-              <p:prevCondLst>
-                <p:cond evt="onPrev" delay="0">
-                  <p:tgtEl>
-                    <p:sldTgt/>
-                  </p:tgtEl>
-                </p:cond>
-              </p:prevCondLst>
-              <p:nextCondLst>
-                <p:cond evt="onNext" delay="0">
-                  <p:tgtEl>
-                    <p:sldTgt/>
-                  </p:tgtEl>
-                </p:cond>
-              </p:nextCondLst>
-            </p:seq>
-          </p:childTnLst>
-        </p:cTn>
-      </p:par>
-    </p:tnLst>
-  </p:timing>
 </p:sld>
 </file>
 
 <file path=ppt/tags/tag1.xml><?xml version="1.0" encoding="utf-8"?>
 <p:tagLst xmlns:a="http://schemas.openxmlformats.org/drawingml/2006/main" xmlns:r="http://schemas.openxmlformats.org/officeDocument/2006/relationships" xmlns:p="http://schemas.openxmlformats.org/presentationml/2006/main">
-  <p:tag name="__PE_POLL_EMBED_ID" val="78e9e841-a5f0-4abe-8f9f-0057c895b41c"/>
+  <p:tag name="__PE_POLL_EMBED_ID" val="9bf4d1df-f174-47e5-b26e-d762c42868ed"/>
 </p:tagLst>
 </file>
 
 <file path=ppt/tags/tag2.xml><?xml version="1.0" encoding="utf-8"?>
 <p:tagLst xmlns:a="http://schemas.openxmlformats.org/drawingml/2006/main" xmlns:r="http://schemas.openxmlformats.org/officeDocument/2006/relationships" xmlns:p="http://schemas.openxmlformats.org/presentationml/2006/main">
-  <p:tag name="__PE_POLL_EMBED_ID" val="23e247fe-6713-4de7-978b-320ac028d4b1"/>
+  <p:tag name="__PE_POLL_EMBED_ID" val="9db3918c-b60c-48fb-997c-a878b25b5cd6"/>
 </p:tagLst>
 </file>
 
 <file path=ppt/tags/tag3.xml><?xml version="1.0" encoding="utf-8"?>
 <p:tagLst xmlns:a="http://schemas.openxmlformats.org/drawingml/2006/main" xmlns:r="http://schemas.openxmlformats.org/officeDocument/2006/relationships" xmlns:p="http://schemas.openxmlformats.org/presentationml/2006/main">
-  <p:tag name="__PE_POLL_EMBED_ID" val="d4514394-ebef-496d-9c0b-4fe6c7c59a19"/>
+  <p:tag name="__PE_POLL_EMBED_ID" val="bff3388d-c6f3-4420-a366-56c69f596df7"/>
 </p:tagLst>
 </file>
 
